--- a/04_Präsentation/RoundtripSchmittDroll_final.pptx
+++ b/04_Präsentation/RoundtripSchmittDroll_final.pptx
@@ -166,512 +166,13 @@
 <file path=ppt/revisionInfo.xml><?xml version="1.0" encoding="utf-8"?>
 <p1510:revInfo xmlns:a="http://schemas.openxmlformats.org/drawingml/2006/main" xmlns:r="http://schemas.openxmlformats.org/officeDocument/2006/relationships" xmlns:p1510="http://schemas.microsoft.com/office/powerpoint/2015/10/main">
   <p1510:revLst>
-    <p1510:client id="{841604A0-02FB-42F2-A960-D70FAC5CDE15}" v="7" dt="2024-01-23T17:17:29.544"/>
+    <p1510:client id="{4FCCE2DE-2235-47A0-926D-53E4AF8737CF}" v="14" dt="2024-01-25T11:57:24.496"/>
   </p1510:revLst>
 </p1510:revInfo>
 </file>
 
 <file path=ppt/changesInfos/changesInfo1.xml><?xml version="1.0" encoding="utf-8"?>
 <pc:chgInfo xmlns:a="http://schemas.openxmlformats.org/drawingml/2006/main" xmlns:r="http://schemas.openxmlformats.org/officeDocument/2006/relationships" xmlns:ac="http://schemas.microsoft.com/office/drawing/2013/main/command" xmlns:pc="http://schemas.microsoft.com/office/powerpoint/2013/main/command">
-  <pc:docChgLst>
-    <pc:chgData name="Maurice Droll" userId="S::drma1025@h-ka.de::306cf624-762e-4805-b567-51d64146fa42" providerId="AD" clId="Web-{C9A5C673-8B12-0009-E364-E5FD776DB394}"/>
-    <pc:docChg chg="addSld delSld modSld modSection">
-      <pc:chgData name="Maurice Droll" userId="S::drma1025@h-ka.de::306cf624-762e-4805-b567-51d64146fa42" providerId="AD" clId="Web-{C9A5C673-8B12-0009-E364-E5FD776DB394}" dt="2024-01-13T22:38:18.757" v="30" actId="20577"/>
-      <pc:docMkLst>
-        <pc:docMk/>
-      </pc:docMkLst>
-      <pc:sldChg chg="delSp modSp new">
-        <pc:chgData name="Maurice Droll" userId="S::drma1025@h-ka.de::306cf624-762e-4805-b567-51d64146fa42" providerId="AD" clId="Web-{C9A5C673-8B12-0009-E364-E5FD776DB394}" dt="2024-01-13T22:38:18.757" v="30" actId="20577"/>
-        <pc:sldMkLst>
-          <pc:docMk/>
-          <pc:sldMk cId="3443239777" sldId="1095"/>
-        </pc:sldMkLst>
-        <pc:spChg chg="del">
-          <ac:chgData name="Maurice Droll" userId="S::drma1025@h-ka.de::306cf624-762e-4805-b567-51d64146fa42" providerId="AD" clId="Web-{C9A5C673-8B12-0009-E364-E5FD776DB394}" dt="2024-01-13T22:37:38.787" v="5"/>
-          <ac:spMkLst>
-            <pc:docMk/>
-            <pc:sldMk cId="3443239777" sldId="1095"/>
-            <ac:spMk id="2" creationId="{B22BB73C-61E4-279C-D4D1-C9013EF416AA}"/>
-          </ac:spMkLst>
-        </pc:spChg>
-        <pc:spChg chg="mod">
-          <ac:chgData name="Maurice Droll" userId="S::drma1025@h-ka.de::306cf624-762e-4805-b567-51d64146fa42" providerId="AD" clId="Web-{C9A5C673-8B12-0009-E364-E5FD776DB394}" dt="2024-01-13T22:38:18.757" v="30" actId="20577"/>
-          <ac:spMkLst>
-            <pc:docMk/>
-            <pc:sldMk cId="3443239777" sldId="1095"/>
-            <ac:spMk id="3" creationId="{153EF5A8-56F7-F33B-23D7-6B6D62104FBA}"/>
-          </ac:spMkLst>
-        </pc:spChg>
-        <pc:spChg chg="del">
-          <ac:chgData name="Maurice Droll" userId="S::drma1025@h-ka.de::306cf624-762e-4805-b567-51d64146fa42" providerId="AD" clId="Web-{C9A5C673-8B12-0009-E364-E5FD776DB394}" dt="2024-01-13T22:37:37.444" v="4"/>
-          <ac:spMkLst>
-            <pc:docMk/>
-            <pc:sldMk cId="3443239777" sldId="1095"/>
-            <ac:spMk id="4" creationId="{771E02F3-B6CB-5617-0890-D8B9A9B52E9B}"/>
-          </ac:spMkLst>
-        </pc:spChg>
-      </pc:sldChg>
-      <pc:sldChg chg="new del">
-        <pc:chgData name="Maurice Droll" userId="S::drma1025@h-ka.de::306cf624-762e-4805-b567-51d64146fa42" providerId="AD" clId="Web-{C9A5C673-8B12-0009-E364-E5FD776DB394}" dt="2024-01-13T22:37:17.865" v="2"/>
-        <pc:sldMkLst>
-          <pc:docMk/>
-          <pc:sldMk cId="2739704835" sldId="1096"/>
-        </pc:sldMkLst>
-      </pc:sldChg>
-      <pc:sldChg chg="new">
-        <pc:chgData name="Maurice Droll" userId="S::drma1025@h-ka.de::306cf624-762e-4805-b567-51d64146fa42" providerId="AD" clId="Web-{C9A5C673-8B12-0009-E364-E5FD776DB394}" dt="2024-01-13T22:37:29.756" v="3"/>
-        <pc:sldMkLst>
-          <pc:docMk/>
-          <pc:sldMk cId="3040228872" sldId="1096"/>
-        </pc:sldMkLst>
-      </pc:sldChg>
-    </pc:docChg>
-  </pc:docChgLst>
-  <pc:docChgLst>
-    <pc:chgData name="Andreas Schmitt" userId="5207b21e-2ba2-46ed-97b4-17ee4e0d2c68" providerId="ADAL" clId="{E7549C9A-A6B2-4350-BE28-89D5425227D0}"/>
-    <pc:docChg chg="custSel delSld modSld modSection">
-      <pc:chgData name="Andreas Schmitt" userId="5207b21e-2ba2-46ed-97b4-17ee4e0d2c68" providerId="ADAL" clId="{E7549C9A-A6B2-4350-BE28-89D5425227D0}" dt="2024-01-12T15:59:46.612" v="12" actId="20577"/>
-      <pc:docMkLst>
-        <pc:docMk/>
-      </pc:docMkLst>
-      <pc:sldChg chg="modSp mod">
-        <pc:chgData name="Andreas Schmitt" userId="5207b21e-2ba2-46ed-97b4-17ee4e0d2c68" providerId="ADAL" clId="{E7549C9A-A6B2-4350-BE28-89D5425227D0}" dt="2024-01-12T15:59:46.612" v="12" actId="20577"/>
-        <pc:sldMkLst>
-          <pc:docMk/>
-          <pc:sldMk cId="1923399112" sldId="1087"/>
-        </pc:sldMkLst>
-        <pc:spChg chg="mod">
-          <ac:chgData name="Andreas Schmitt" userId="5207b21e-2ba2-46ed-97b4-17ee4e0d2c68" providerId="ADAL" clId="{E7549C9A-A6B2-4350-BE28-89D5425227D0}" dt="2024-01-12T15:59:44.179" v="7" actId="20577"/>
-          <ac:spMkLst>
-            <pc:docMk/>
-            <pc:sldMk cId="1923399112" sldId="1087"/>
-            <ac:spMk id="7" creationId="{62BFC551-9DB8-4BAB-B6B4-62F5F6909EC2}"/>
-          </ac:spMkLst>
-        </pc:spChg>
-        <pc:spChg chg="mod">
-          <ac:chgData name="Andreas Schmitt" userId="5207b21e-2ba2-46ed-97b4-17ee4e0d2c68" providerId="ADAL" clId="{E7549C9A-A6B2-4350-BE28-89D5425227D0}" dt="2024-01-12T15:59:46.612" v="12" actId="20577"/>
-          <ac:spMkLst>
-            <pc:docMk/>
-            <pc:sldMk cId="1923399112" sldId="1087"/>
-            <ac:spMk id="8" creationId="{7AA139CD-735D-4AB8-9FCE-080BDC820787}"/>
-          </ac:spMkLst>
-        </pc:spChg>
-      </pc:sldChg>
-      <pc:sldChg chg="addSp delSp modSp mod chgLayout">
-        <pc:chgData name="Andreas Schmitt" userId="5207b21e-2ba2-46ed-97b4-17ee4e0d2c68" providerId="ADAL" clId="{E7549C9A-A6B2-4350-BE28-89D5425227D0}" dt="2024-01-12T15:59:33.726" v="6" actId="20577"/>
-        <pc:sldMkLst>
-          <pc:docMk/>
-          <pc:sldMk cId="4124322762" sldId="1546"/>
-        </pc:sldMkLst>
-        <pc:spChg chg="add del mod">
-          <ac:chgData name="Andreas Schmitt" userId="5207b21e-2ba2-46ed-97b4-17ee4e0d2c68" providerId="ADAL" clId="{E7549C9A-A6B2-4350-BE28-89D5425227D0}" dt="2024-01-12T15:59:29.700" v="5" actId="700"/>
-          <ac:spMkLst>
-            <pc:docMk/>
-            <pc:sldMk cId="4124322762" sldId="1546"/>
-            <ac:spMk id="3" creationId="{0A41F8AE-8445-4F21-0F4D-077A774DB028}"/>
-          </ac:spMkLst>
-        </pc:spChg>
-        <pc:spChg chg="mod ord">
-          <ac:chgData name="Andreas Schmitt" userId="5207b21e-2ba2-46ed-97b4-17ee4e0d2c68" providerId="ADAL" clId="{E7549C9A-A6B2-4350-BE28-89D5425227D0}" dt="2024-01-12T15:59:29.700" v="5" actId="700"/>
-          <ac:spMkLst>
-            <pc:docMk/>
-            <pc:sldMk cId="4124322762" sldId="1546"/>
-            <ac:spMk id="4" creationId="{6006BF76-DBFF-4B68-8CB7-9F1550761310}"/>
-          </ac:spMkLst>
-        </pc:spChg>
-        <pc:spChg chg="mod ord">
-          <ac:chgData name="Andreas Schmitt" userId="5207b21e-2ba2-46ed-97b4-17ee4e0d2c68" providerId="ADAL" clId="{E7549C9A-A6B2-4350-BE28-89D5425227D0}" dt="2024-01-12T15:59:29.700" v="5" actId="700"/>
-          <ac:spMkLst>
-            <pc:docMk/>
-            <pc:sldMk cId="4124322762" sldId="1546"/>
-            <ac:spMk id="5" creationId="{1EA9214A-E96D-470A-8EDE-61CEBA45EA6E}"/>
-          </ac:spMkLst>
-        </pc:spChg>
-        <pc:spChg chg="add mod ord">
-          <ac:chgData name="Andreas Schmitt" userId="5207b21e-2ba2-46ed-97b4-17ee4e0d2c68" providerId="ADAL" clId="{E7549C9A-A6B2-4350-BE28-89D5425227D0}" dt="2024-01-12T15:59:29.700" v="5" actId="700"/>
-          <ac:spMkLst>
-            <pc:docMk/>
-            <pc:sldMk cId="4124322762" sldId="1546"/>
-            <ac:spMk id="7" creationId="{26523E40-D335-FE8D-B399-2688CE983F83}"/>
-          </ac:spMkLst>
-        </pc:spChg>
-        <pc:spChg chg="mod ord">
-          <ac:chgData name="Andreas Schmitt" userId="5207b21e-2ba2-46ed-97b4-17ee4e0d2c68" providerId="ADAL" clId="{E7549C9A-A6B2-4350-BE28-89D5425227D0}" dt="2024-01-12T15:59:33.726" v="6" actId="20577"/>
-          <ac:spMkLst>
-            <pc:docMk/>
-            <pc:sldMk cId="4124322762" sldId="1546"/>
-            <ac:spMk id="8" creationId="{C5348221-1137-4E3C-A316-B70160A89D22}"/>
-          </ac:spMkLst>
-        </pc:spChg>
-        <pc:spChg chg="del">
-          <ac:chgData name="Andreas Schmitt" userId="5207b21e-2ba2-46ed-97b4-17ee4e0d2c68" providerId="ADAL" clId="{E7549C9A-A6B2-4350-BE28-89D5425227D0}" dt="2024-01-12T15:59:11.444" v="1" actId="478"/>
-          <ac:spMkLst>
-            <pc:docMk/>
-            <pc:sldMk cId="4124322762" sldId="1546"/>
-            <ac:spMk id="9" creationId="{86E825F2-94E1-4BEB-9BC5-097415CC2841}"/>
-          </ac:spMkLst>
-        </pc:spChg>
-        <pc:picChg chg="del">
-          <ac:chgData name="Andreas Schmitt" userId="5207b21e-2ba2-46ed-97b4-17ee4e0d2c68" providerId="ADAL" clId="{E7549C9A-A6B2-4350-BE28-89D5425227D0}" dt="2024-01-12T15:59:27.052" v="4" actId="478"/>
-          <ac:picMkLst>
-            <pc:docMk/>
-            <pc:sldMk cId="4124322762" sldId="1546"/>
-            <ac:picMk id="6" creationId="{4BCE7187-B031-4A3D-A4AF-123A45C2961B}"/>
-          </ac:picMkLst>
-        </pc:picChg>
-        <pc:picChg chg="del">
-          <ac:chgData name="Andreas Schmitt" userId="5207b21e-2ba2-46ed-97b4-17ee4e0d2c68" providerId="ADAL" clId="{E7549C9A-A6B2-4350-BE28-89D5425227D0}" dt="2024-01-12T15:59:16.191" v="3" actId="478"/>
-          <ac:picMkLst>
-            <pc:docMk/>
-            <pc:sldMk cId="4124322762" sldId="1546"/>
-            <ac:picMk id="159746" creationId="{BF3EE483-55B4-4A4C-B4CA-B1CAB1AED712}"/>
-          </ac:picMkLst>
-        </pc:picChg>
-      </pc:sldChg>
-      <pc:sldChg chg="del">
-        <pc:chgData name="Andreas Schmitt" userId="5207b21e-2ba2-46ed-97b4-17ee4e0d2c68" providerId="ADAL" clId="{E7549C9A-A6B2-4350-BE28-89D5425227D0}" dt="2024-01-12T15:59:07.293" v="0" actId="47"/>
-        <pc:sldMkLst>
-          <pc:docMk/>
-          <pc:sldMk cId="3025201091" sldId="1547"/>
-        </pc:sldMkLst>
-      </pc:sldChg>
-      <pc:sldChg chg="del">
-        <pc:chgData name="Andreas Schmitt" userId="5207b21e-2ba2-46ed-97b4-17ee4e0d2c68" providerId="ADAL" clId="{E7549C9A-A6B2-4350-BE28-89D5425227D0}" dt="2024-01-12T15:59:07.293" v="0" actId="47"/>
-        <pc:sldMkLst>
-          <pc:docMk/>
-          <pc:sldMk cId="621429362" sldId="1548"/>
-        </pc:sldMkLst>
-      </pc:sldChg>
-      <pc:sldChg chg="del">
-        <pc:chgData name="Andreas Schmitt" userId="5207b21e-2ba2-46ed-97b4-17ee4e0d2c68" providerId="ADAL" clId="{E7549C9A-A6B2-4350-BE28-89D5425227D0}" dt="2024-01-12T15:59:07.293" v="0" actId="47"/>
-        <pc:sldMkLst>
-          <pc:docMk/>
-          <pc:sldMk cId="3098049718" sldId="1549"/>
-        </pc:sldMkLst>
-      </pc:sldChg>
-      <pc:sldChg chg="del">
-        <pc:chgData name="Andreas Schmitt" userId="5207b21e-2ba2-46ed-97b4-17ee4e0d2c68" providerId="ADAL" clId="{E7549C9A-A6B2-4350-BE28-89D5425227D0}" dt="2024-01-12T15:59:07.293" v="0" actId="47"/>
-        <pc:sldMkLst>
-          <pc:docMk/>
-          <pc:sldMk cId="2338000219" sldId="1550"/>
-        </pc:sldMkLst>
-      </pc:sldChg>
-      <pc:sldChg chg="del">
-        <pc:chgData name="Andreas Schmitt" userId="5207b21e-2ba2-46ed-97b4-17ee4e0d2c68" providerId="ADAL" clId="{E7549C9A-A6B2-4350-BE28-89D5425227D0}" dt="2024-01-12T15:59:07.293" v="0" actId="47"/>
-        <pc:sldMkLst>
-          <pc:docMk/>
-          <pc:sldMk cId="2043712411" sldId="1551"/>
-        </pc:sldMkLst>
-      </pc:sldChg>
-      <pc:sldChg chg="del">
-        <pc:chgData name="Andreas Schmitt" userId="5207b21e-2ba2-46ed-97b4-17ee4e0d2c68" providerId="ADAL" clId="{E7549C9A-A6B2-4350-BE28-89D5425227D0}" dt="2024-01-12T15:59:07.293" v="0" actId="47"/>
-        <pc:sldMkLst>
-          <pc:docMk/>
-          <pc:sldMk cId="1660463436" sldId="1552"/>
-        </pc:sldMkLst>
-      </pc:sldChg>
-      <pc:sldChg chg="del">
-        <pc:chgData name="Andreas Schmitt" userId="5207b21e-2ba2-46ed-97b4-17ee4e0d2c68" providerId="ADAL" clId="{E7549C9A-A6B2-4350-BE28-89D5425227D0}" dt="2024-01-12T15:59:07.293" v="0" actId="47"/>
-        <pc:sldMkLst>
-          <pc:docMk/>
-          <pc:sldMk cId="1584429505" sldId="1553"/>
-        </pc:sldMkLst>
-      </pc:sldChg>
-      <pc:sldChg chg="del">
-        <pc:chgData name="Andreas Schmitt" userId="5207b21e-2ba2-46ed-97b4-17ee4e0d2c68" providerId="ADAL" clId="{E7549C9A-A6B2-4350-BE28-89D5425227D0}" dt="2024-01-12T15:59:07.293" v="0" actId="47"/>
-        <pc:sldMkLst>
-          <pc:docMk/>
-          <pc:sldMk cId="416138586" sldId="1554"/>
-        </pc:sldMkLst>
-      </pc:sldChg>
-      <pc:sldChg chg="del">
-        <pc:chgData name="Andreas Schmitt" userId="5207b21e-2ba2-46ed-97b4-17ee4e0d2c68" providerId="ADAL" clId="{E7549C9A-A6B2-4350-BE28-89D5425227D0}" dt="2024-01-12T15:59:07.293" v="0" actId="47"/>
-        <pc:sldMkLst>
-          <pc:docMk/>
-          <pc:sldMk cId="2896236324" sldId="1555"/>
-        </pc:sldMkLst>
-      </pc:sldChg>
-      <pc:sldChg chg="del">
-        <pc:chgData name="Andreas Schmitt" userId="5207b21e-2ba2-46ed-97b4-17ee4e0d2c68" providerId="ADAL" clId="{E7549C9A-A6B2-4350-BE28-89D5425227D0}" dt="2024-01-12T15:59:07.293" v="0" actId="47"/>
-        <pc:sldMkLst>
-          <pc:docMk/>
-          <pc:sldMk cId="1306710642" sldId="1556"/>
-        </pc:sldMkLst>
-      </pc:sldChg>
-      <pc:sldChg chg="del">
-        <pc:chgData name="Andreas Schmitt" userId="5207b21e-2ba2-46ed-97b4-17ee4e0d2c68" providerId="ADAL" clId="{E7549C9A-A6B2-4350-BE28-89D5425227D0}" dt="2024-01-12T15:59:07.293" v="0" actId="47"/>
-        <pc:sldMkLst>
-          <pc:docMk/>
-          <pc:sldMk cId="3458310555" sldId="1557"/>
-        </pc:sldMkLst>
-      </pc:sldChg>
-      <pc:sldChg chg="del">
-        <pc:chgData name="Andreas Schmitt" userId="5207b21e-2ba2-46ed-97b4-17ee4e0d2c68" providerId="ADAL" clId="{E7549C9A-A6B2-4350-BE28-89D5425227D0}" dt="2024-01-12T15:59:07.293" v="0" actId="47"/>
-        <pc:sldMkLst>
-          <pc:docMk/>
-          <pc:sldMk cId="1285767656" sldId="1558"/>
-        </pc:sldMkLst>
-      </pc:sldChg>
-      <pc:sldChg chg="del">
-        <pc:chgData name="Andreas Schmitt" userId="5207b21e-2ba2-46ed-97b4-17ee4e0d2c68" providerId="ADAL" clId="{E7549C9A-A6B2-4350-BE28-89D5425227D0}" dt="2024-01-12T15:59:07.293" v="0" actId="47"/>
-        <pc:sldMkLst>
-          <pc:docMk/>
-          <pc:sldMk cId="2979046137" sldId="1559"/>
-        </pc:sldMkLst>
-      </pc:sldChg>
-      <pc:sldChg chg="del">
-        <pc:chgData name="Andreas Schmitt" userId="5207b21e-2ba2-46ed-97b4-17ee4e0d2c68" providerId="ADAL" clId="{E7549C9A-A6B2-4350-BE28-89D5425227D0}" dt="2024-01-12T15:59:07.293" v="0" actId="47"/>
-        <pc:sldMkLst>
-          <pc:docMk/>
-          <pc:sldMk cId="466958862" sldId="1560"/>
-        </pc:sldMkLst>
-      </pc:sldChg>
-      <pc:sldChg chg="del">
-        <pc:chgData name="Andreas Schmitt" userId="5207b21e-2ba2-46ed-97b4-17ee4e0d2c68" providerId="ADAL" clId="{E7549C9A-A6B2-4350-BE28-89D5425227D0}" dt="2024-01-12T15:59:07.293" v="0" actId="47"/>
-        <pc:sldMkLst>
-          <pc:docMk/>
-          <pc:sldMk cId="3818496155" sldId="1561"/>
-        </pc:sldMkLst>
-      </pc:sldChg>
-      <pc:sldChg chg="del">
-        <pc:chgData name="Andreas Schmitt" userId="5207b21e-2ba2-46ed-97b4-17ee4e0d2c68" providerId="ADAL" clId="{E7549C9A-A6B2-4350-BE28-89D5425227D0}" dt="2024-01-12T15:59:07.293" v="0" actId="47"/>
-        <pc:sldMkLst>
-          <pc:docMk/>
-          <pc:sldMk cId="1521153693" sldId="1562"/>
-        </pc:sldMkLst>
-      </pc:sldChg>
-      <pc:sldChg chg="del">
-        <pc:chgData name="Andreas Schmitt" userId="5207b21e-2ba2-46ed-97b4-17ee4e0d2c68" providerId="ADAL" clId="{E7549C9A-A6B2-4350-BE28-89D5425227D0}" dt="2024-01-12T15:59:07.293" v="0" actId="47"/>
-        <pc:sldMkLst>
-          <pc:docMk/>
-          <pc:sldMk cId="2082409152" sldId="1563"/>
-        </pc:sldMkLst>
-      </pc:sldChg>
-      <pc:sldChg chg="del">
-        <pc:chgData name="Andreas Schmitt" userId="5207b21e-2ba2-46ed-97b4-17ee4e0d2c68" providerId="ADAL" clId="{E7549C9A-A6B2-4350-BE28-89D5425227D0}" dt="2024-01-12T15:59:07.293" v="0" actId="47"/>
-        <pc:sldMkLst>
-          <pc:docMk/>
-          <pc:sldMk cId="1421332026" sldId="1564"/>
-        </pc:sldMkLst>
-      </pc:sldChg>
-      <pc:sldChg chg="del">
-        <pc:chgData name="Andreas Schmitt" userId="5207b21e-2ba2-46ed-97b4-17ee4e0d2c68" providerId="ADAL" clId="{E7549C9A-A6B2-4350-BE28-89D5425227D0}" dt="2024-01-12T15:59:07.293" v="0" actId="47"/>
-        <pc:sldMkLst>
-          <pc:docMk/>
-          <pc:sldMk cId="2546059997" sldId="1565"/>
-        </pc:sldMkLst>
-      </pc:sldChg>
-      <pc:sldChg chg="del">
-        <pc:chgData name="Andreas Schmitt" userId="5207b21e-2ba2-46ed-97b4-17ee4e0d2c68" providerId="ADAL" clId="{E7549C9A-A6B2-4350-BE28-89D5425227D0}" dt="2024-01-12T15:59:07.293" v="0" actId="47"/>
-        <pc:sldMkLst>
-          <pc:docMk/>
-          <pc:sldMk cId="69086398" sldId="1566"/>
-        </pc:sldMkLst>
-      </pc:sldChg>
-      <pc:sldChg chg="del">
-        <pc:chgData name="Andreas Schmitt" userId="5207b21e-2ba2-46ed-97b4-17ee4e0d2c68" providerId="ADAL" clId="{E7549C9A-A6B2-4350-BE28-89D5425227D0}" dt="2024-01-12T15:59:07.293" v="0" actId="47"/>
-        <pc:sldMkLst>
-          <pc:docMk/>
-          <pc:sldMk cId="3108707021" sldId="1567"/>
-        </pc:sldMkLst>
-      </pc:sldChg>
-      <pc:sldChg chg="del">
-        <pc:chgData name="Andreas Schmitt" userId="5207b21e-2ba2-46ed-97b4-17ee4e0d2c68" providerId="ADAL" clId="{E7549C9A-A6B2-4350-BE28-89D5425227D0}" dt="2024-01-12T15:59:07.293" v="0" actId="47"/>
-        <pc:sldMkLst>
-          <pc:docMk/>
-          <pc:sldMk cId="1295386140" sldId="1568"/>
-        </pc:sldMkLst>
-      </pc:sldChg>
-      <pc:sldChg chg="del">
-        <pc:chgData name="Andreas Schmitt" userId="5207b21e-2ba2-46ed-97b4-17ee4e0d2c68" providerId="ADAL" clId="{E7549C9A-A6B2-4350-BE28-89D5425227D0}" dt="2024-01-12T15:59:07.293" v="0" actId="47"/>
-        <pc:sldMkLst>
-          <pc:docMk/>
-          <pc:sldMk cId="2139347351" sldId="1569"/>
-        </pc:sldMkLst>
-      </pc:sldChg>
-      <pc:sldChg chg="del">
-        <pc:chgData name="Andreas Schmitt" userId="5207b21e-2ba2-46ed-97b4-17ee4e0d2c68" providerId="ADAL" clId="{E7549C9A-A6B2-4350-BE28-89D5425227D0}" dt="2024-01-12T15:59:07.293" v="0" actId="47"/>
-        <pc:sldMkLst>
-          <pc:docMk/>
-          <pc:sldMk cId="2977235744" sldId="1571"/>
-        </pc:sldMkLst>
-      </pc:sldChg>
-      <pc:sldChg chg="del">
-        <pc:chgData name="Andreas Schmitt" userId="5207b21e-2ba2-46ed-97b4-17ee4e0d2c68" providerId="ADAL" clId="{E7549C9A-A6B2-4350-BE28-89D5425227D0}" dt="2024-01-12T15:59:07.293" v="0" actId="47"/>
-        <pc:sldMkLst>
-          <pc:docMk/>
-          <pc:sldMk cId="816368900" sldId="1572"/>
-        </pc:sldMkLst>
-      </pc:sldChg>
-      <pc:sldChg chg="del">
-        <pc:chgData name="Andreas Schmitt" userId="5207b21e-2ba2-46ed-97b4-17ee4e0d2c68" providerId="ADAL" clId="{E7549C9A-A6B2-4350-BE28-89D5425227D0}" dt="2024-01-12T15:59:07.293" v="0" actId="47"/>
-        <pc:sldMkLst>
-          <pc:docMk/>
-          <pc:sldMk cId="2028417578" sldId="1573"/>
-        </pc:sldMkLst>
-      </pc:sldChg>
-      <pc:sldChg chg="del">
-        <pc:chgData name="Andreas Schmitt" userId="5207b21e-2ba2-46ed-97b4-17ee4e0d2c68" providerId="ADAL" clId="{E7549C9A-A6B2-4350-BE28-89D5425227D0}" dt="2024-01-12T15:59:07.293" v="0" actId="47"/>
-        <pc:sldMkLst>
-          <pc:docMk/>
-          <pc:sldMk cId="1506543526" sldId="1574"/>
-        </pc:sldMkLst>
-      </pc:sldChg>
-      <pc:sldChg chg="del">
-        <pc:chgData name="Andreas Schmitt" userId="5207b21e-2ba2-46ed-97b4-17ee4e0d2c68" providerId="ADAL" clId="{E7549C9A-A6B2-4350-BE28-89D5425227D0}" dt="2024-01-12T15:59:07.293" v="0" actId="47"/>
-        <pc:sldMkLst>
-          <pc:docMk/>
-          <pc:sldMk cId="512343751" sldId="1575"/>
-        </pc:sldMkLst>
-      </pc:sldChg>
-      <pc:sldChg chg="del">
-        <pc:chgData name="Andreas Schmitt" userId="5207b21e-2ba2-46ed-97b4-17ee4e0d2c68" providerId="ADAL" clId="{E7549C9A-A6B2-4350-BE28-89D5425227D0}" dt="2024-01-12T15:59:07.293" v="0" actId="47"/>
-        <pc:sldMkLst>
-          <pc:docMk/>
-          <pc:sldMk cId="3750884767" sldId="1576"/>
-        </pc:sldMkLst>
-      </pc:sldChg>
-      <pc:sldChg chg="del">
-        <pc:chgData name="Andreas Schmitt" userId="5207b21e-2ba2-46ed-97b4-17ee4e0d2c68" providerId="ADAL" clId="{E7549C9A-A6B2-4350-BE28-89D5425227D0}" dt="2024-01-12T15:59:07.293" v="0" actId="47"/>
-        <pc:sldMkLst>
-          <pc:docMk/>
-          <pc:sldMk cId="1733463454" sldId="1577"/>
-        </pc:sldMkLst>
-      </pc:sldChg>
-      <pc:sldChg chg="del">
-        <pc:chgData name="Andreas Schmitt" userId="5207b21e-2ba2-46ed-97b4-17ee4e0d2c68" providerId="ADAL" clId="{E7549C9A-A6B2-4350-BE28-89D5425227D0}" dt="2024-01-12T15:59:07.293" v="0" actId="47"/>
-        <pc:sldMkLst>
-          <pc:docMk/>
-          <pc:sldMk cId="1033279443" sldId="1580"/>
-        </pc:sldMkLst>
-      </pc:sldChg>
-      <pc:sldChg chg="del">
-        <pc:chgData name="Andreas Schmitt" userId="5207b21e-2ba2-46ed-97b4-17ee4e0d2c68" providerId="ADAL" clId="{E7549C9A-A6B2-4350-BE28-89D5425227D0}" dt="2024-01-12T15:59:07.293" v="0" actId="47"/>
-        <pc:sldMkLst>
-          <pc:docMk/>
-          <pc:sldMk cId="576485239" sldId="1581"/>
-        </pc:sldMkLst>
-      </pc:sldChg>
-      <pc:sldChg chg="del">
-        <pc:chgData name="Andreas Schmitt" userId="5207b21e-2ba2-46ed-97b4-17ee4e0d2c68" providerId="ADAL" clId="{E7549C9A-A6B2-4350-BE28-89D5425227D0}" dt="2024-01-12T15:59:07.293" v="0" actId="47"/>
-        <pc:sldMkLst>
-          <pc:docMk/>
-          <pc:sldMk cId="3742811623" sldId="1582"/>
-        </pc:sldMkLst>
-      </pc:sldChg>
-    </pc:docChg>
-  </pc:docChgLst>
-  <pc:docChgLst>
-    <pc:chgData name="Maurice Droll" userId="S::drma1025@h-ka.de::306cf624-762e-4805-b567-51d64146fa42" providerId="AD" clId="Web-{DBF10ACB-9565-7ABE-454E-F67899B70E11}"/>
-    <pc:docChg chg="addSld delSld modSld modSection">
-      <pc:chgData name="Maurice Droll" userId="S::drma1025@h-ka.de::306cf624-762e-4805-b567-51d64146fa42" providerId="AD" clId="Web-{DBF10ACB-9565-7ABE-454E-F67899B70E11}" dt="2024-01-14T22:40:13.625" v="7" actId="20577"/>
-      <pc:docMkLst>
-        <pc:docMk/>
-      </pc:docMkLst>
-      <pc:sldChg chg="modSp">
-        <pc:chgData name="Maurice Droll" userId="S::drma1025@h-ka.de::306cf624-762e-4805-b567-51d64146fa42" providerId="AD" clId="Web-{DBF10ACB-9565-7ABE-454E-F67899B70E11}" dt="2024-01-14T22:40:13.625" v="7" actId="20577"/>
-        <pc:sldMkLst>
-          <pc:docMk/>
-          <pc:sldMk cId="3609810263" sldId="1091"/>
-        </pc:sldMkLst>
-        <pc:spChg chg="mod">
-          <ac:chgData name="Maurice Droll" userId="S::drma1025@h-ka.de::306cf624-762e-4805-b567-51d64146fa42" providerId="AD" clId="Web-{DBF10ACB-9565-7ABE-454E-F67899B70E11}" dt="2024-01-14T22:40:13.625" v="7" actId="20577"/>
-          <ac:spMkLst>
-            <pc:docMk/>
-            <pc:sldMk cId="3609810263" sldId="1091"/>
-            <ac:spMk id="8" creationId="{E3A6B3C8-6F75-EB43-A1A7-16036EE670BB}"/>
-          </ac:spMkLst>
-        </pc:spChg>
-      </pc:sldChg>
-      <pc:sldChg chg="addSp delSp modSp new del">
-        <pc:chgData name="Maurice Droll" userId="S::drma1025@h-ka.de::306cf624-762e-4805-b567-51d64146fa42" providerId="AD" clId="Web-{DBF10ACB-9565-7ABE-454E-F67899B70E11}" dt="2024-01-14T22:25:36.314" v="5"/>
-        <pc:sldMkLst>
-          <pc:docMk/>
-          <pc:sldMk cId="631776112" sldId="1100"/>
-        </pc:sldMkLst>
-        <pc:spChg chg="del">
-          <ac:chgData name="Maurice Droll" userId="S::drma1025@h-ka.de::306cf624-762e-4805-b567-51d64146fa42" providerId="AD" clId="Web-{DBF10ACB-9565-7ABE-454E-F67899B70E11}" dt="2024-01-14T22:25:30.126" v="1"/>
-          <ac:spMkLst>
-            <pc:docMk/>
-            <pc:sldMk cId="631776112" sldId="1100"/>
-            <ac:spMk id="2" creationId="{6A0D1384-0795-9B69-E254-EEFC7E6074E4}"/>
-          </ac:spMkLst>
-        </pc:spChg>
-        <pc:graphicFrameChg chg="add del mod">
-          <ac:chgData name="Maurice Droll" userId="S::drma1025@h-ka.de::306cf624-762e-4805-b567-51d64146fa42" providerId="AD" clId="Web-{DBF10ACB-9565-7ABE-454E-F67899B70E11}" dt="2024-01-14T22:25:34.251" v="4"/>
-          <ac:graphicFrameMkLst>
-            <pc:docMk/>
-            <pc:sldMk cId="631776112" sldId="1100"/>
-            <ac:graphicFrameMk id="6" creationId="{CC94FD49-BA51-8AE4-C10F-A4518A15A308}"/>
-          </ac:graphicFrameMkLst>
-        </pc:graphicFrameChg>
-      </pc:sldChg>
-    </pc:docChg>
-  </pc:docChgLst>
-  <pc:docChgLst>
-    <pc:chgData name="Andreas Schmitt" userId="S::scan1116@h-ka.de::8063fb94-ab75-422e-8c1a-acc5a068cdc8" providerId="AD" clId="Web-{B8789867-C7CE-4BCA-BA69-DBD14DD1D7B9}"/>
-    <pc:docChg chg="modSld">
-      <pc:chgData name="Andreas Schmitt" userId="S::scan1116@h-ka.de::8063fb94-ab75-422e-8c1a-acc5a068cdc8" providerId="AD" clId="Web-{B8789867-C7CE-4BCA-BA69-DBD14DD1D7B9}" dt="2024-01-15T08:52:25.539" v="13" actId="20577"/>
-      <pc:docMkLst>
-        <pc:docMk/>
-      </pc:docMkLst>
-      <pc:sldChg chg="addSp modSp">
-        <pc:chgData name="Andreas Schmitt" userId="S::scan1116@h-ka.de::8063fb94-ab75-422e-8c1a-acc5a068cdc8" providerId="AD" clId="Web-{B8789867-C7CE-4BCA-BA69-DBD14DD1D7B9}" dt="2024-01-15T08:52:25.539" v="13" actId="20577"/>
-        <pc:sldMkLst>
-          <pc:docMk/>
-          <pc:sldMk cId="4061517964" sldId="1090"/>
-        </pc:sldMkLst>
-        <pc:spChg chg="add mod">
-          <ac:chgData name="Andreas Schmitt" userId="S::scan1116@h-ka.de::8063fb94-ab75-422e-8c1a-acc5a068cdc8" providerId="AD" clId="Web-{B8789867-C7CE-4BCA-BA69-DBD14DD1D7B9}" dt="2024-01-15T08:52:25.539" v="13" actId="20577"/>
-          <ac:spMkLst>
-            <pc:docMk/>
-            <pc:sldMk cId="4061517964" sldId="1090"/>
-            <ac:spMk id="2" creationId="{B55D3284-D9F5-C6B2-7A22-5CC20791E0B1}"/>
-          </ac:spMkLst>
-        </pc:spChg>
-      </pc:sldChg>
-    </pc:docChg>
-  </pc:docChgLst>
-  <pc:docChgLst>
-    <pc:chgData name="Andreas Schmitt" userId="S::scan1116@h-ka.de::8063fb94-ab75-422e-8c1a-acc5a068cdc8" providerId="AD" clId="Web-{4A28E82F-4AAE-4A41-A134-38C7C824C94B}"/>
-    <pc:docChg chg="addSld modSld modSection">
-      <pc:chgData name="Andreas Schmitt" userId="S::scan1116@h-ka.de::8063fb94-ab75-422e-8c1a-acc5a068cdc8" providerId="AD" clId="Web-{4A28E82F-4AAE-4A41-A134-38C7C824C94B}" dt="2024-01-15T08:50:05.983" v="22" actId="20577"/>
-      <pc:docMkLst>
-        <pc:docMk/>
-      </pc:docMkLst>
-      <pc:sldChg chg="delSp modSp add replId">
-        <pc:chgData name="Andreas Schmitt" userId="S::scan1116@h-ka.de::8063fb94-ab75-422e-8c1a-acc5a068cdc8" providerId="AD" clId="Web-{4A28E82F-4AAE-4A41-A134-38C7C824C94B}" dt="2024-01-15T08:50:05.983" v="22" actId="20577"/>
-        <pc:sldMkLst>
-          <pc:docMk/>
-          <pc:sldMk cId="2319869533" sldId="1099"/>
-        </pc:sldMkLst>
-        <pc:spChg chg="mod">
-          <ac:chgData name="Andreas Schmitt" userId="S::scan1116@h-ka.de::8063fb94-ab75-422e-8c1a-acc5a068cdc8" providerId="AD" clId="Web-{4A28E82F-4AAE-4A41-A134-38C7C824C94B}" dt="2024-01-15T08:50:05.983" v="22" actId="20577"/>
-          <ac:spMkLst>
-            <pc:docMk/>
-            <pc:sldMk cId="2319869533" sldId="1099"/>
-            <ac:spMk id="7" creationId="{A945391F-F142-2DF7-18E6-0D739F709B5C}"/>
-          </ac:spMkLst>
-        </pc:spChg>
-        <pc:spChg chg="mod">
-          <ac:chgData name="Andreas Schmitt" userId="S::scan1116@h-ka.de::8063fb94-ab75-422e-8c1a-acc5a068cdc8" providerId="AD" clId="Web-{4A28E82F-4AAE-4A41-A134-38C7C824C94B}" dt="2024-01-15T08:49:46.810" v="20" actId="20577"/>
-          <ac:spMkLst>
-            <pc:docMk/>
-            <pc:sldMk cId="2319869533" sldId="1099"/>
-            <ac:spMk id="8" creationId="{E988E23E-778A-3EA9-AE8D-70D955921104}"/>
-          </ac:spMkLst>
-        </pc:spChg>
-        <pc:picChg chg="del">
-          <ac:chgData name="Andreas Schmitt" userId="S::scan1116@h-ka.de::8063fb94-ab75-422e-8c1a-acc5a068cdc8" providerId="AD" clId="Web-{4A28E82F-4AAE-4A41-A134-38C7C824C94B}" dt="2024-01-15T08:49:37.060" v="1"/>
-          <ac:picMkLst>
-            <pc:docMk/>
-            <pc:sldMk cId="2319869533" sldId="1099"/>
-            <ac:picMk id="10" creationId="{24C112A4-ACC8-F41F-AF78-BC7AE385EDB0}"/>
-          </ac:picMkLst>
-        </pc:picChg>
-      </pc:sldChg>
-    </pc:docChg>
-  </pc:docChgLst>
   <pc:docChgLst>
     <pc:chgData name="Andreas Schmitt" userId="S::scan1116@h-ka.de::8063fb94-ab75-422e-8c1a-acc5a068cdc8" providerId="AD" clId="Web-{27FBA170-E72C-4481-8B11-E3FBD8DEEFAB}"/>
     <pc:docChg chg="modSld">
@@ -697,261 +198,57 @@
     </pc:docChg>
   </pc:docChgLst>
   <pc:docChgLst>
-    <pc:chgData name="Maurice Droll" userId="S::drma1025@h-ka.de::306cf624-762e-4805-b567-51d64146fa42" providerId="AD" clId="Web-{B29573DE-7E2E-62C6-3CE2-D2CFDB9B4E54}"/>
-    <pc:docChg chg="modSld sldOrd">
-      <pc:chgData name="Maurice Droll" userId="S::drma1025@h-ka.de::306cf624-762e-4805-b567-51d64146fa42" providerId="AD" clId="Web-{B29573DE-7E2E-62C6-3CE2-D2CFDB9B4E54}" dt="2024-01-14T18:17:19.305" v="134" actId="20577"/>
+    <pc:chgData name="Andreas Schmitt" userId="5207b21e-2ba2-46ed-97b4-17ee4e0d2c68" providerId="ADAL" clId="{841604A0-02FB-42F2-A960-D70FAC5CDE15}"/>
+    <pc:docChg chg="custSel addSld modSld">
+      <pc:chgData name="Andreas Schmitt" userId="5207b21e-2ba2-46ed-97b4-17ee4e0d2c68" providerId="ADAL" clId="{841604A0-02FB-42F2-A960-D70FAC5CDE15}" dt="2024-01-23T17:18:10.115" v="16" actId="729"/>
       <pc:docMkLst>
         <pc:docMk/>
       </pc:docMkLst>
-      <pc:sldChg chg="modSp">
-        <pc:chgData name="Maurice Droll" userId="S::drma1025@h-ka.de::306cf624-762e-4805-b567-51d64146fa42" providerId="AD" clId="Web-{B29573DE-7E2E-62C6-3CE2-D2CFDB9B4E54}" dt="2024-01-14T18:12:21.296" v="5" actId="20577"/>
+      <pc:sldChg chg="modSp mod">
+        <pc:chgData name="Andreas Schmitt" userId="5207b21e-2ba2-46ed-97b4-17ee4e0d2c68" providerId="ADAL" clId="{841604A0-02FB-42F2-A960-D70FAC5CDE15}" dt="2024-01-23T17:16:40.467" v="6"/>
         <pc:sldMkLst>
           <pc:docMk/>
-          <pc:sldMk cId="454951695" sldId="1092"/>
+          <pc:sldMk cId="2988925347" sldId="1098"/>
         </pc:sldMkLst>
         <pc:spChg chg="mod">
-          <ac:chgData name="Maurice Droll" userId="S::drma1025@h-ka.de::306cf624-762e-4805-b567-51d64146fa42" providerId="AD" clId="Web-{B29573DE-7E2E-62C6-3CE2-D2CFDB9B4E54}" dt="2024-01-14T18:12:21.296" v="5" actId="20577"/>
+          <ac:chgData name="Andreas Schmitt" userId="5207b21e-2ba2-46ed-97b4-17ee4e0d2c68" providerId="ADAL" clId="{841604A0-02FB-42F2-A960-D70FAC5CDE15}" dt="2024-01-23T17:16:35.860" v="5" actId="1076"/>
           <ac:spMkLst>
             <pc:docMk/>
-            <pc:sldMk cId="454951695" sldId="1092"/>
-            <ac:spMk id="8" creationId="{E3A6B3C8-6F75-EB43-A1A7-16036EE670BB}"/>
+            <pc:sldMk cId="2988925347" sldId="1098"/>
+            <ac:spMk id="2" creationId="{657A3BA6-B2D0-2FB5-4F5D-16035F781FB7}"/>
           </ac:spMkLst>
         </pc:spChg>
+        <pc:graphicFrameChg chg="mod">
+          <ac:chgData name="Andreas Schmitt" userId="5207b21e-2ba2-46ed-97b4-17ee4e0d2c68" providerId="ADAL" clId="{841604A0-02FB-42F2-A960-D70FAC5CDE15}" dt="2024-01-23T17:16:40.467" v="6"/>
+          <ac:graphicFrameMkLst>
+            <pc:docMk/>
+            <pc:sldMk cId="2988925347" sldId="1098"/>
+            <ac:graphicFrameMk id="7" creationId="{EE744F85-9F12-01F6-E25A-9FBC56D818FC}"/>
+          </ac:graphicFrameMkLst>
+        </pc:graphicFrameChg>
       </pc:sldChg>
-      <pc:sldChg chg="ord">
-        <pc:chgData name="Maurice Droll" userId="S::drma1025@h-ka.de::306cf624-762e-4805-b567-51d64146fa42" providerId="AD" clId="Web-{B29573DE-7E2E-62C6-3CE2-D2CFDB9B4E54}" dt="2024-01-14T18:13:03.047" v="6"/>
+      <pc:sldChg chg="addSp delSp modSp add mod modShow">
+        <pc:chgData name="Andreas Schmitt" userId="5207b21e-2ba2-46ed-97b4-17ee4e0d2c68" providerId="ADAL" clId="{841604A0-02FB-42F2-A960-D70FAC5CDE15}" dt="2024-01-23T17:18:10.115" v="16" actId="729"/>
         <pc:sldMkLst>
           <pc:docMk/>
-          <pc:sldMk cId="652909132" sldId="1093"/>
+          <pc:sldMk cId="3587079978" sldId="1104"/>
         </pc:sldMkLst>
-      </pc:sldChg>
-      <pc:sldChg chg="addSp modSp">
-        <pc:chgData name="Maurice Droll" userId="S::drma1025@h-ka.de::306cf624-762e-4805-b567-51d64146fa42" providerId="AD" clId="Web-{B29573DE-7E2E-62C6-3CE2-D2CFDB9B4E54}" dt="2024-01-14T18:17:19.305" v="134" actId="20577"/>
-        <pc:sldMkLst>
-          <pc:docMk/>
-          <pc:sldMk cId="3111353975" sldId="1094"/>
-        </pc:sldMkLst>
-        <pc:spChg chg="mod">
-          <ac:chgData name="Maurice Droll" userId="S::drma1025@h-ka.de::306cf624-762e-4805-b567-51d64146fa42" providerId="AD" clId="Web-{B29573DE-7E2E-62C6-3CE2-D2CFDB9B4E54}" dt="2024-01-14T18:16:38.054" v="109" actId="14100"/>
-          <ac:spMkLst>
+        <pc:graphicFrameChg chg="add mod">
+          <ac:chgData name="Andreas Schmitt" userId="5207b21e-2ba2-46ed-97b4-17ee4e0d2c68" providerId="ADAL" clId="{841604A0-02FB-42F2-A960-D70FAC5CDE15}" dt="2024-01-23T17:17:48.347" v="15" actId="14100"/>
+          <ac:graphicFrameMkLst>
             <pc:docMk/>
-            <pc:sldMk cId="3111353975" sldId="1094"/>
-            <ac:spMk id="3" creationId="{33A6CABB-4BAF-1162-3D3D-B40EABF24B4B}"/>
-          </ac:spMkLst>
-        </pc:spChg>
-        <pc:spChg chg="add mod">
-          <ac:chgData name="Maurice Droll" userId="S::drma1025@h-ka.de::306cf624-762e-4805-b567-51d64146fa42" providerId="AD" clId="Web-{B29573DE-7E2E-62C6-3CE2-D2CFDB9B4E54}" dt="2024-01-14T18:17:13.430" v="127" actId="20577"/>
-          <ac:spMkLst>
+            <pc:sldMk cId="3587079978" sldId="1104"/>
+            <ac:graphicFrameMk id="3" creationId="{596ECFA4-3E20-975E-9F8A-010B6EACD89A}"/>
+          </ac:graphicFrameMkLst>
+        </pc:graphicFrameChg>
+        <pc:graphicFrameChg chg="del">
+          <ac:chgData name="Andreas Schmitt" userId="5207b21e-2ba2-46ed-97b4-17ee4e0d2c68" providerId="ADAL" clId="{841604A0-02FB-42F2-A960-D70FAC5CDE15}" dt="2024-01-23T17:16:23.341" v="1" actId="478"/>
+          <ac:graphicFrameMkLst>
             <pc:docMk/>
-            <pc:sldMk cId="3111353975" sldId="1094"/>
-            <ac:spMk id="6" creationId="{965EB4DE-5658-931B-47A4-5983D1E379F4}"/>
-          </ac:spMkLst>
-        </pc:spChg>
-        <pc:spChg chg="add mod">
-          <ac:chgData name="Maurice Droll" userId="S::drma1025@h-ka.de::306cf624-762e-4805-b567-51d64146fa42" providerId="AD" clId="Web-{B29573DE-7E2E-62C6-3CE2-D2CFDB9B4E54}" dt="2024-01-14T18:16:50.179" v="114" actId="1076"/>
-          <ac:spMkLst>
-            <pc:docMk/>
-            <pc:sldMk cId="3111353975" sldId="1094"/>
-            <ac:spMk id="7" creationId="{6358756C-57FC-13A1-6FE0-19DF27B814E1}"/>
-          </ac:spMkLst>
-        </pc:spChg>
-        <pc:spChg chg="add mod">
-          <ac:chgData name="Maurice Droll" userId="S::drma1025@h-ka.de::306cf624-762e-4805-b567-51d64146fa42" providerId="AD" clId="Web-{B29573DE-7E2E-62C6-3CE2-D2CFDB9B4E54}" dt="2024-01-14T18:16:48.179" v="113" actId="1076"/>
-          <ac:spMkLst>
-            <pc:docMk/>
-            <pc:sldMk cId="3111353975" sldId="1094"/>
-            <ac:spMk id="8" creationId="{EA4E5397-F94D-2289-0FFD-4AF6298C057A}"/>
-          </ac:spMkLst>
-        </pc:spChg>
-        <pc:spChg chg="add mod">
-          <ac:chgData name="Maurice Droll" userId="S::drma1025@h-ka.de::306cf624-762e-4805-b567-51d64146fa42" providerId="AD" clId="Web-{B29573DE-7E2E-62C6-3CE2-D2CFDB9B4E54}" dt="2024-01-14T18:16:57.382" v="116" actId="1076"/>
-          <ac:spMkLst>
-            <pc:docMk/>
-            <pc:sldMk cId="3111353975" sldId="1094"/>
-            <ac:spMk id="9" creationId="{DBA3133A-00E5-D666-7584-0C71148810C1}"/>
-          </ac:spMkLst>
-        </pc:spChg>
-        <pc:spChg chg="add mod">
-          <ac:chgData name="Maurice Droll" userId="S::drma1025@h-ka.de::306cf624-762e-4805-b567-51d64146fa42" providerId="AD" clId="Web-{B29573DE-7E2E-62C6-3CE2-D2CFDB9B4E54}" dt="2024-01-14T18:17:00.992" v="118" actId="1076"/>
-          <ac:spMkLst>
-            <pc:docMk/>
-            <pc:sldMk cId="3111353975" sldId="1094"/>
-            <ac:spMk id="10" creationId="{3B42BBB8-9768-3648-6471-8E1AC28E3FA5}"/>
-          </ac:spMkLst>
-        </pc:spChg>
-        <pc:spChg chg="add mod">
-          <ac:chgData name="Maurice Droll" userId="S::drma1025@h-ka.de::306cf624-762e-4805-b567-51d64146fa42" providerId="AD" clId="Web-{B29573DE-7E2E-62C6-3CE2-D2CFDB9B4E54}" dt="2024-01-14T18:17:19.305" v="134" actId="20577"/>
-          <ac:spMkLst>
-            <pc:docMk/>
-            <pc:sldMk cId="3111353975" sldId="1094"/>
-            <ac:spMk id="11" creationId="{5D302232-D948-1DA0-56BB-035020D32B25}"/>
-          </ac:spMkLst>
-        </pc:spChg>
-      </pc:sldChg>
-    </pc:docChg>
-  </pc:docChgLst>
-  <pc:docChgLst>
-    <pc:chgData name="Maurice Droll" userId="S::drma1025@h-ka.de::306cf624-762e-4805-b567-51d64146fa42" providerId="AD" clId="Web-{8F9D384A-08E8-00C7-CB5A-A43CF671CF05}"/>
-    <pc:docChg chg="addSld modSld">
-      <pc:chgData name="Maurice Droll" userId="S::drma1025@h-ka.de::306cf624-762e-4805-b567-51d64146fa42" providerId="AD" clId="Web-{8F9D384A-08E8-00C7-CB5A-A43CF671CF05}" dt="2024-01-16T10:35:35.537" v="154" actId="14100"/>
-      <pc:docMkLst>
-        <pc:docMk/>
-      </pc:docMkLst>
-      <pc:sldChg chg="modSp">
-        <pc:chgData name="Maurice Droll" userId="S::drma1025@h-ka.de::306cf624-762e-4805-b567-51d64146fa42" providerId="AD" clId="Web-{8F9D384A-08E8-00C7-CB5A-A43CF671CF05}" dt="2024-01-16T10:35:35.537" v="154" actId="14100"/>
-        <pc:sldMkLst>
-          <pc:docMk/>
-          <pc:sldMk cId="1923399112" sldId="1087"/>
-        </pc:sldMkLst>
-        <pc:spChg chg="mod">
-          <ac:chgData name="Maurice Droll" userId="S::drma1025@h-ka.de::306cf624-762e-4805-b567-51d64146fa42" providerId="AD" clId="Web-{8F9D384A-08E8-00C7-CB5A-A43CF671CF05}" dt="2024-01-16T10:35:35.537" v="154" actId="14100"/>
-          <ac:spMkLst>
-            <pc:docMk/>
-            <pc:sldMk cId="1923399112" sldId="1087"/>
-            <ac:spMk id="8" creationId="{7AA139CD-735D-4AB8-9FCE-080BDC820787}"/>
-          </ac:spMkLst>
-        </pc:spChg>
-      </pc:sldChg>
-      <pc:sldChg chg="addSp modSp">
-        <pc:chgData name="Maurice Droll" userId="S::drma1025@h-ka.de::306cf624-762e-4805-b567-51d64146fa42" providerId="AD" clId="Web-{8F9D384A-08E8-00C7-CB5A-A43CF671CF05}" dt="2024-01-15T16:12:32.727" v="2"/>
-        <pc:sldMkLst>
-          <pc:docMk/>
-          <pc:sldMk cId="4061517964" sldId="1090"/>
-        </pc:sldMkLst>
-        <pc:spChg chg="add mod">
-          <ac:chgData name="Maurice Droll" userId="S::drma1025@h-ka.de::306cf624-762e-4805-b567-51d64146fa42" providerId="AD" clId="Web-{8F9D384A-08E8-00C7-CB5A-A43CF671CF05}" dt="2024-01-15T16:12:32.727" v="2"/>
-          <ac:spMkLst>
-            <pc:docMk/>
-            <pc:sldMk cId="4061517964" sldId="1090"/>
-            <ac:spMk id="2" creationId="{56EFD822-F0D6-BBBE-6251-8C0E87573559}"/>
-          </ac:spMkLst>
-        </pc:spChg>
-      </pc:sldChg>
-      <pc:sldChg chg="modSp">
-        <pc:chgData name="Maurice Droll" userId="S::drma1025@h-ka.de::306cf624-762e-4805-b567-51d64146fa42" providerId="AD" clId="Web-{8F9D384A-08E8-00C7-CB5A-A43CF671CF05}" dt="2024-01-15T17:54:56.683" v="64" actId="20577"/>
-        <pc:sldMkLst>
-          <pc:docMk/>
-          <pc:sldMk cId="4000893962" sldId="1101"/>
-        </pc:sldMkLst>
-        <pc:spChg chg="mod">
-          <ac:chgData name="Maurice Droll" userId="S::drma1025@h-ka.de::306cf624-762e-4805-b567-51d64146fa42" providerId="AD" clId="Web-{8F9D384A-08E8-00C7-CB5A-A43CF671CF05}" dt="2024-01-15T17:54:56.683" v="64" actId="20577"/>
-          <ac:spMkLst>
-            <pc:docMk/>
-            <pc:sldMk cId="4000893962" sldId="1101"/>
-            <ac:spMk id="3" creationId="{72B47EB2-3EE4-8A53-1DF6-D47A55ECE0E9}"/>
-          </ac:spMkLst>
-        </pc:spChg>
-      </pc:sldChg>
-      <pc:sldChg chg="addSp delSp modSp new mod modClrScheme chgLayout">
-        <pc:chgData name="Maurice Droll" userId="S::drma1025@h-ka.de::306cf624-762e-4805-b567-51d64146fa42" providerId="AD" clId="Web-{8F9D384A-08E8-00C7-CB5A-A43CF671CF05}" dt="2024-01-15T18:20:47.799" v="145"/>
-        <pc:sldMkLst>
-          <pc:docMk/>
-          <pc:sldMk cId="105000510" sldId="1102"/>
-        </pc:sldMkLst>
-        <pc:spChg chg="mod ord">
-          <ac:chgData name="Maurice Droll" userId="S::drma1025@h-ka.de::306cf624-762e-4805-b567-51d64146fa42" providerId="AD" clId="Web-{8F9D384A-08E8-00C7-CB5A-A43CF671CF05}" dt="2024-01-15T17:56:17.513" v="77"/>
-          <ac:spMkLst>
-            <pc:docMk/>
-            <pc:sldMk cId="105000510" sldId="1102"/>
-            <ac:spMk id="2" creationId="{7B541703-1F97-DF24-4C01-C47367B6B1D8}"/>
-          </ac:spMkLst>
-        </pc:spChg>
-        <pc:spChg chg="del mod ord">
-          <ac:chgData name="Maurice Droll" userId="S::drma1025@h-ka.de::306cf624-762e-4805-b567-51d64146fa42" providerId="AD" clId="Web-{8F9D384A-08E8-00C7-CB5A-A43CF671CF05}" dt="2024-01-15T17:57:22.141" v="78"/>
-          <ac:spMkLst>
-            <pc:docMk/>
-            <pc:sldMk cId="105000510" sldId="1102"/>
-            <ac:spMk id="3" creationId="{0A7B7BE6-57D4-939A-38D1-F8230A592D45}"/>
-          </ac:spMkLst>
-        </pc:spChg>
-        <pc:spChg chg="del">
-          <ac:chgData name="Maurice Droll" userId="S::drma1025@h-ka.de::306cf624-762e-4805-b567-51d64146fa42" providerId="AD" clId="Web-{8F9D384A-08E8-00C7-CB5A-A43CF671CF05}" dt="2024-01-15T17:56:17.513" v="77"/>
-          <ac:spMkLst>
-            <pc:docMk/>
-            <pc:sldMk cId="105000510" sldId="1102"/>
-            <ac:spMk id="4" creationId="{7C2E4785-7177-2539-F420-7FCD49802B3A}"/>
-          </ac:spMkLst>
-        </pc:spChg>
-        <pc:spChg chg="mod ord">
-          <ac:chgData name="Maurice Droll" userId="S::drma1025@h-ka.de::306cf624-762e-4805-b567-51d64146fa42" providerId="AD" clId="Web-{8F9D384A-08E8-00C7-CB5A-A43CF671CF05}" dt="2024-01-15T17:56:17.513" v="77"/>
-          <ac:spMkLst>
-            <pc:docMk/>
-            <pc:sldMk cId="105000510" sldId="1102"/>
-            <ac:spMk id="5" creationId="{E2C1A03B-4013-21C3-830F-E8D301FC9A50}"/>
-          </ac:spMkLst>
-        </pc:spChg>
-        <pc:spChg chg="mod ord">
-          <ac:chgData name="Maurice Droll" userId="S::drma1025@h-ka.de::306cf624-762e-4805-b567-51d64146fa42" providerId="AD" clId="Web-{8F9D384A-08E8-00C7-CB5A-A43CF671CF05}" dt="2024-01-15T17:56:17.513" v="77"/>
-          <ac:spMkLst>
-            <pc:docMk/>
-            <pc:sldMk cId="105000510" sldId="1102"/>
-            <ac:spMk id="6" creationId="{198383C1-8BE6-4297-2F68-65F139569518}"/>
-          </ac:spMkLst>
-        </pc:spChg>
-        <pc:picChg chg="add del mod">
-          <ac:chgData name="Maurice Droll" userId="S::drma1025@h-ka.de::306cf624-762e-4805-b567-51d64146fa42" providerId="AD" clId="Web-{8F9D384A-08E8-00C7-CB5A-A43CF671CF05}" dt="2024-01-15T18:04:36.531" v="83"/>
-          <ac:picMkLst>
-            <pc:docMk/>
-            <pc:sldMk cId="105000510" sldId="1102"/>
-            <ac:picMk id="7" creationId="{C637D433-7671-2258-E10E-7DE9715D6C89}"/>
-          </ac:picMkLst>
-        </pc:picChg>
-        <pc:picChg chg="add del mod">
-          <ac:chgData name="Maurice Droll" userId="S::drma1025@h-ka.de::306cf624-762e-4805-b567-51d64146fa42" providerId="AD" clId="Web-{8F9D384A-08E8-00C7-CB5A-A43CF671CF05}" dt="2024-01-15T18:04:55.453" v="85"/>
-          <ac:picMkLst>
-            <pc:docMk/>
-            <pc:sldMk cId="105000510" sldId="1102"/>
-            <ac:picMk id="8" creationId="{CF713B3F-2CDF-8738-EF7F-20C707955501}"/>
-          </ac:picMkLst>
-        </pc:picChg>
-        <pc:picChg chg="add mod">
-          <ac:chgData name="Maurice Droll" userId="S::drma1025@h-ka.de::306cf624-762e-4805-b567-51d64146fa42" providerId="AD" clId="Web-{8F9D384A-08E8-00C7-CB5A-A43CF671CF05}" dt="2024-01-15T18:20:41.330" v="143"/>
-          <ac:picMkLst>
-            <pc:docMk/>
-            <pc:sldMk cId="105000510" sldId="1102"/>
-            <ac:picMk id="9" creationId="{38A007D6-D175-6B39-9EE8-41D9E8F8ED0F}"/>
-          </ac:picMkLst>
-        </pc:picChg>
-        <pc:picChg chg="add mod">
-          <ac:chgData name="Maurice Droll" userId="S::drma1025@h-ka.de::306cf624-762e-4805-b567-51d64146fa42" providerId="AD" clId="Web-{8F9D384A-08E8-00C7-CB5A-A43CF671CF05}" dt="2024-01-15T18:20:44.799" v="144"/>
-          <ac:picMkLst>
-            <pc:docMk/>
-            <pc:sldMk cId="105000510" sldId="1102"/>
-            <ac:picMk id="10" creationId="{11EA6DC1-BB33-40A9-B59B-9B46853C72B5}"/>
-          </ac:picMkLst>
-        </pc:picChg>
-        <pc:picChg chg="add mod">
-          <ac:chgData name="Maurice Droll" userId="S::drma1025@h-ka.de::306cf624-762e-4805-b567-51d64146fa42" providerId="AD" clId="Web-{8F9D384A-08E8-00C7-CB5A-A43CF671CF05}" dt="2024-01-15T18:20:47.799" v="145"/>
-          <ac:picMkLst>
-            <pc:docMk/>
-            <pc:sldMk cId="105000510" sldId="1102"/>
-            <ac:picMk id="11" creationId="{3F01A124-2A57-0190-389A-2630C19E028A}"/>
-          </ac:picMkLst>
-        </pc:picChg>
-        <pc:picChg chg="add mod">
-          <ac:chgData name="Maurice Droll" userId="S::drma1025@h-ka.de::306cf624-762e-4805-b567-51d64146fa42" providerId="AD" clId="Web-{8F9D384A-08E8-00C7-CB5A-A43CF671CF05}" dt="2024-01-15T18:14:43.193" v="132" actId="1076"/>
-          <ac:picMkLst>
-            <pc:docMk/>
-            <pc:sldMk cId="105000510" sldId="1102"/>
-            <ac:picMk id="12" creationId="{3B5DC5A6-F667-1692-0C4D-48954876E196}"/>
-          </ac:picMkLst>
-        </pc:picChg>
-        <pc:picChg chg="add del mod">
-          <ac:chgData name="Maurice Droll" userId="S::drma1025@h-ka.de::306cf624-762e-4805-b567-51d64146fa42" providerId="AD" clId="Web-{8F9D384A-08E8-00C7-CB5A-A43CF671CF05}" dt="2024-01-15T18:19:44.187" v="139"/>
-          <ac:picMkLst>
-            <pc:docMk/>
-            <pc:sldMk cId="105000510" sldId="1102"/>
-            <ac:picMk id="13" creationId="{309869FC-2DB4-E817-A83A-975E02319076}"/>
-          </ac:picMkLst>
-        </pc:picChg>
-        <pc:picChg chg="add mod">
-          <ac:chgData name="Maurice Droll" userId="S::drma1025@h-ka.de::306cf624-762e-4805-b567-51d64146fa42" providerId="AD" clId="Web-{8F9D384A-08E8-00C7-CB5A-A43CF671CF05}" dt="2024-01-15T18:19:57.375" v="142" actId="1076"/>
-          <ac:picMkLst>
-            <pc:docMk/>
-            <pc:sldMk cId="105000510" sldId="1102"/>
-            <ac:picMk id="14" creationId="{C0B93AC2-DB70-E7B9-A7EA-8E95BC8F8592}"/>
-          </ac:picMkLst>
-        </pc:picChg>
+            <pc:sldMk cId="3587079978" sldId="1104"/>
+            <ac:graphicFrameMk id="7" creationId="{EE744F85-9F12-01F6-E25A-9FBC56D818FC}"/>
+          </ac:graphicFrameMkLst>
+        </pc:graphicFrameChg>
       </pc:sldChg>
     </pc:docChg>
   </pc:docChgLst>
@@ -2682,28 +1979,104 @@
     </pc:docChg>
   </pc:docChgLst>
   <pc:docChgLst>
-    <pc:chgData name="Andreas Schmitt" userId="5207b21e-2ba2-46ed-97b4-17ee4e0d2c68" providerId="ADAL" clId="{841604A0-02FB-42F2-A960-D70FAC5CDE15}"/>
-    <pc:docChg chg="custSel addSld modSld">
-      <pc:chgData name="Andreas Schmitt" userId="5207b21e-2ba2-46ed-97b4-17ee4e0d2c68" providerId="ADAL" clId="{841604A0-02FB-42F2-A960-D70FAC5CDE15}" dt="2024-01-23T17:18:10.115" v="16" actId="729"/>
+    <pc:chgData name="Maurice Droll" userId="S::drma1025@h-ka.de::306cf624-762e-4805-b567-51d64146fa42" providerId="AD" clId="Web-{C9A5C673-8B12-0009-E364-E5FD776DB394}"/>
+    <pc:docChg chg="addSld delSld modSld modSection">
+      <pc:chgData name="Maurice Droll" userId="S::drma1025@h-ka.de::306cf624-762e-4805-b567-51d64146fa42" providerId="AD" clId="Web-{C9A5C673-8B12-0009-E364-E5FD776DB394}" dt="2024-01-13T22:38:18.757" v="30" actId="20577"/>
       <pc:docMkLst>
         <pc:docMk/>
       </pc:docMkLst>
-      <pc:sldChg chg="modSp mod">
-        <pc:chgData name="Andreas Schmitt" userId="5207b21e-2ba2-46ed-97b4-17ee4e0d2c68" providerId="ADAL" clId="{841604A0-02FB-42F2-A960-D70FAC5CDE15}" dt="2024-01-23T17:16:40.467" v="6"/>
+      <pc:sldChg chg="delSp modSp new">
+        <pc:chgData name="Maurice Droll" userId="S::drma1025@h-ka.de::306cf624-762e-4805-b567-51d64146fa42" providerId="AD" clId="Web-{C9A5C673-8B12-0009-E364-E5FD776DB394}" dt="2024-01-13T22:38:18.757" v="30" actId="20577"/>
+        <pc:sldMkLst>
+          <pc:docMk/>
+          <pc:sldMk cId="3443239777" sldId="1095"/>
+        </pc:sldMkLst>
+        <pc:spChg chg="del">
+          <ac:chgData name="Maurice Droll" userId="S::drma1025@h-ka.de::306cf624-762e-4805-b567-51d64146fa42" providerId="AD" clId="Web-{C9A5C673-8B12-0009-E364-E5FD776DB394}" dt="2024-01-13T22:37:38.787" v="5"/>
+          <ac:spMkLst>
+            <pc:docMk/>
+            <pc:sldMk cId="3443239777" sldId="1095"/>
+            <ac:spMk id="2" creationId="{B22BB73C-61E4-279C-D4D1-C9013EF416AA}"/>
+          </ac:spMkLst>
+        </pc:spChg>
+        <pc:spChg chg="mod">
+          <ac:chgData name="Maurice Droll" userId="S::drma1025@h-ka.de::306cf624-762e-4805-b567-51d64146fa42" providerId="AD" clId="Web-{C9A5C673-8B12-0009-E364-E5FD776DB394}" dt="2024-01-13T22:38:18.757" v="30" actId="20577"/>
+          <ac:spMkLst>
+            <pc:docMk/>
+            <pc:sldMk cId="3443239777" sldId="1095"/>
+            <ac:spMk id="3" creationId="{153EF5A8-56F7-F33B-23D7-6B6D62104FBA}"/>
+          </ac:spMkLst>
+        </pc:spChg>
+        <pc:spChg chg="del">
+          <ac:chgData name="Maurice Droll" userId="S::drma1025@h-ka.de::306cf624-762e-4805-b567-51d64146fa42" providerId="AD" clId="Web-{C9A5C673-8B12-0009-E364-E5FD776DB394}" dt="2024-01-13T22:37:37.444" v="4"/>
+          <ac:spMkLst>
+            <pc:docMk/>
+            <pc:sldMk cId="3443239777" sldId="1095"/>
+            <ac:spMk id="4" creationId="{771E02F3-B6CB-5617-0890-D8B9A9B52E9B}"/>
+          </ac:spMkLst>
+        </pc:spChg>
+      </pc:sldChg>
+      <pc:sldChg chg="new del">
+        <pc:chgData name="Maurice Droll" userId="S::drma1025@h-ka.de::306cf624-762e-4805-b567-51d64146fa42" providerId="AD" clId="Web-{C9A5C673-8B12-0009-E364-E5FD776DB394}" dt="2024-01-13T22:37:17.865" v="2"/>
+        <pc:sldMkLst>
+          <pc:docMk/>
+          <pc:sldMk cId="2739704835" sldId="1096"/>
+        </pc:sldMkLst>
+      </pc:sldChg>
+      <pc:sldChg chg="new">
+        <pc:chgData name="Maurice Droll" userId="S::drma1025@h-ka.de::306cf624-762e-4805-b567-51d64146fa42" providerId="AD" clId="Web-{C9A5C673-8B12-0009-E364-E5FD776DB394}" dt="2024-01-13T22:37:29.756" v="3"/>
+        <pc:sldMkLst>
+          <pc:docMk/>
+          <pc:sldMk cId="3040228872" sldId="1096"/>
+        </pc:sldMkLst>
+      </pc:sldChg>
+    </pc:docChg>
+  </pc:docChgLst>
+  <pc:docChgLst>
+    <pc:chgData name="Andreas Schmitt" userId="5207b21e-2ba2-46ed-97b4-17ee4e0d2c68" providerId="ADAL" clId="{4FCCE2DE-2235-47A0-926D-53E4AF8737CF}"/>
+    <pc:docChg chg="modSld">
+      <pc:chgData name="Andreas Schmitt" userId="5207b21e-2ba2-46ed-97b4-17ee4e0d2c68" providerId="ADAL" clId="{4FCCE2DE-2235-47A0-926D-53E4AF8737CF}" dt="2024-01-25T11:57:24.493" v="13" actId="5736"/>
+      <pc:docMkLst>
+        <pc:docMk/>
+      </pc:docMkLst>
+      <pc:sldChg chg="modSp">
+        <pc:chgData name="Andreas Schmitt" userId="5207b21e-2ba2-46ed-97b4-17ee4e0d2c68" providerId="ADAL" clId="{4FCCE2DE-2235-47A0-926D-53E4AF8737CF}" dt="2024-01-25T11:46:37.242" v="3" actId="5736"/>
+        <pc:sldMkLst>
+          <pc:docMk/>
+          <pc:sldMk cId="3111353975" sldId="1094"/>
+        </pc:sldMkLst>
+        <pc:graphicFrameChg chg="mod">
+          <ac:chgData name="Andreas Schmitt" userId="5207b21e-2ba2-46ed-97b4-17ee4e0d2c68" providerId="ADAL" clId="{4FCCE2DE-2235-47A0-926D-53E4AF8737CF}" dt="2024-01-25T11:46:37.242" v="3" actId="5736"/>
+          <ac:graphicFrameMkLst>
+            <pc:docMk/>
+            <pc:sldMk cId="3111353975" sldId="1094"/>
+            <ac:graphicFrameMk id="8" creationId="{CA22F5D4-F383-A44D-1771-2225E2C676A1}"/>
+          </ac:graphicFrameMkLst>
+        </pc:graphicFrameChg>
+      </pc:sldChg>
+      <pc:sldChg chg="modSp">
+        <pc:chgData name="Andreas Schmitt" userId="5207b21e-2ba2-46ed-97b4-17ee4e0d2c68" providerId="ADAL" clId="{4FCCE2DE-2235-47A0-926D-53E4AF8737CF}" dt="2024-01-25T11:47:31.909" v="5" actId="5736"/>
+        <pc:sldMkLst>
+          <pc:docMk/>
+          <pc:sldMk cId="2819956607" sldId="1097"/>
+        </pc:sldMkLst>
+        <pc:graphicFrameChg chg="mod">
+          <ac:chgData name="Andreas Schmitt" userId="5207b21e-2ba2-46ed-97b4-17ee4e0d2c68" providerId="ADAL" clId="{4FCCE2DE-2235-47A0-926D-53E4AF8737CF}" dt="2024-01-25T11:47:31.909" v="5" actId="5736"/>
+          <ac:graphicFrameMkLst>
+            <pc:docMk/>
+            <pc:sldMk cId="2819956607" sldId="1097"/>
+            <ac:graphicFrameMk id="6" creationId="{AF695791-3B01-DCE6-C787-4BE655F03BEB}"/>
+          </ac:graphicFrameMkLst>
+        </pc:graphicFrameChg>
+      </pc:sldChg>
+      <pc:sldChg chg="modSp">
+        <pc:chgData name="Andreas Schmitt" userId="5207b21e-2ba2-46ed-97b4-17ee4e0d2c68" providerId="ADAL" clId="{4FCCE2DE-2235-47A0-926D-53E4AF8737CF}" dt="2024-01-25T11:48:27.720" v="8" actId="5736"/>
         <pc:sldMkLst>
           <pc:docMk/>
           <pc:sldMk cId="2988925347" sldId="1098"/>
         </pc:sldMkLst>
-        <pc:spChg chg="mod">
-          <ac:chgData name="Andreas Schmitt" userId="5207b21e-2ba2-46ed-97b4-17ee4e0d2c68" providerId="ADAL" clId="{841604A0-02FB-42F2-A960-D70FAC5CDE15}" dt="2024-01-23T17:16:35.860" v="5" actId="1076"/>
-          <ac:spMkLst>
-            <pc:docMk/>
-            <pc:sldMk cId="2988925347" sldId="1098"/>
-            <ac:spMk id="2" creationId="{657A3BA6-B2D0-2FB5-4F5D-16035F781FB7}"/>
-          </ac:spMkLst>
-        </pc:spChg>
         <pc:graphicFrameChg chg="mod">
-          <ac:chgData name="Andreas Schmitt" userId="5207b21e-2ba2-46ed-97b4-17ee4e0d2c68" providerId="ADAL" clId="{841604A0-02FB-42F2-A960-D70FAC5CDE15}" dt="2024-01-23T17:16:40.467" v="6"/>
+          <ac:chgData name="Andreas Schmitt" userId="5207b21e-2ba2-46ed-97b4-17ee4e0d2c68" providerId="ADAL" clId="{4FCCE2DE-2235-47A0-926D-53E4AF8737CF}" dt="2024-01-25T11:48:27.720" v="8" actId="5736"/>
           <ac:graphicFrameMkLst>
             <pc:docMk/>
             <pc:sldMk cId="2988925347" sldId="1098"/>
@@ -2711,28 +2084,724 @@
           </ac:graphicFrameMkLst>
         </pc:graphicFrameChg>
       </pc:sldChg>
-      <pc:sldChg chg="addSp delSp modSp add mod modShow">
-        <pc:chgData name="Andreas Schmitt" userId="5207b21e-2ba2-46ed-97b4-17ee4e0d2c68" providerId="ADAL" clId="{841604A0-02FB-42F2-A960-D70FAC5CDE15}" dt="2024-01-23T17:18:10.115" v="16" actId="729"/>
+      <pc:sldChg chg="modSp">
+        <pc:chgData name="Andreas Schmitt" userId="5207b21e-2ba2-46ed-97b4-17ee4e0d2c68" providerId="ADAL" clId="{4FCCE2DE-2235-47A0-926D-53E4AF8737CF}" dt="2024-01-25T11:57:24.493" v="13" actId="5736"/>
         <pc:sldMkLst>
           <pc:docMk/>
           <pc:sldMk cId="3587079978" sldId="1104"/>
         </pc:sldMkLst>
-        <pc:graphicFrameChg chg="add mod">
-          <ac:chgData name="Andreas Schmitt" userId="5207b21e-2ba2-46ed-97b4-17ee4e0d2c68" providerId="ADAL" clId="{841604A0-02FB-42F2-A960-D70FAC5CDE15}" dt="2024-01-23T17:17:48.347" v="15" actId="14100"/>
+        <pc:graphicFrameChg chg="mod">
+          <ac:chgData name="Andreas Schmitt" userId="5207b21e-2ba2-46ed-97b4-17ee4e0d2c68" providerId="ADAL" clId="{4FCCE2DE-2235-47A0-926D-53E4AF8737CF}" dt="2024-01-25T11:57:24.493" v="13" actId="5736"/>
           <ac:graphicFrameMkLst>
             <pc:docMk/>
             <pc:sldMk cId="3587079978" sldId="1104"/>
             <ac:graphicFrameMk id="3" creationId="{596ECFA4-3E20-975E-9F8A-010B6EACD89A}"/>
           </ac:graphicFrameMkLst>
         </pc:graphicFrameChg>
-        <pc:graphicFrameChg chg="del">
-          <ac:chgData name="Andreas Schmitt" userId="5207b21e-2ba2-46ed-97b4-17ee4e0d2c68" providerId="ADAL" clId="{841604A0-02FB-42F2-A960-D70FAC5CDE15}" dt="2024-01-23T17:16:23.341" v="1" actId="478"/>
+      </pc:sldChg>
+    </pc:docChg>
+  </pc:docChgLst>
+  <pc:docChgLst>
+    <pc:chgData name="Andreas Schmitt" userId="S::scan1116@h-ka.de::8063fb94-ab75-422e-8c1a-acc5a068cdc8" providerId="AD" clId="Web-{B8789867-C7CE-4BCA-BA69-DBD14DD1D7B9}"/>
+    <pc:docChg chg="modSld">
+      <pc:chgData name="Andreas Schmitt" userId="S::scan1116@h-ka.de::8063fb94-ab75-422e-8c1a-acc5a068cdc8" providerId="AD" clId="Web-{B8789867-C7CE-4BCA-BA69-DBD14DD1D7B9}" dt="2024-01-15T08:52:25.539" v="13" actId="20577"/>
+      <pc:docMkLst>
+        <pc:docMk/>
+      </pc:docMkLst>
+      <pc:sldChg chg="addSp modSp">
+        <pc:chgData name="Andreas Schmitt" userId="S::scan1116@h-ka.de::8063fb94-ab75-422e-8c1a-acc5a068cdc8" providerId="AD" clId="Web-{B8789867-C7CE-4BCA-BA69-DBD14DD1D7B9}" dt="2024-01-15T08:52:25.539" v="13" actId="20577"/>
+        <pc:sldMkLst>
+          <pc:docMk/>
+          <pc:sldMk cId="4061517964" sldId="1090"/>
+        </pc:sldMkLst>
+        <pc:spChg chg="add mod">
+          <ac:chgData name="Andreas Schmitt" userId="S::scan1116@h-ka.de::8063fb94-ab75-422e-8c1a-acc5a068cdc8" providerId="AD" clId="Web-{B8789867-C7CE-4BCA-BA69-DBD14DD1D7B9}" dt="2024-01-15T08:52:25.539" v="13" actId="20577"/>
+          <ac:spMkLst>
+            <pc:docMk/>
+            <pc:sldMk cId="4061517964" sldId="1090"/>
+            <ac:spMk id="2" creationId="{B55D3284-D9F5-C6B2-7A22-5CC20791E0B1}"/>
+          </ac:spMkLst>
+        </pc:spChg>
+      </pc:sldChg>
+    </pc:docChg>
+  </pc:docChgLst>
+  <pc:docChgLst>
+    <pc:chgData name="Maurice Droll" userId="S::drma1025@h-ka.de::306cf624-762e-4805-b567-51d64146fa42" providerId="AD" clId="Web-{DBF10ACB-9565-7ABE-454E-F67899B70E11}"/>
+    <pc:docChg chg="addSld delSld modSld modSection">
+      <pc:chgData name="Maurice Droll" userId="S::drma1025@h-ka.de::306cf624-762e-4805-b567-51d64146fa42" providerId="AD" clId="Web-{DBF10ACB-9565-7ABE-454E-F67899B70E11}" dt="2024-01-14T22:40:13.625" v="7" actId="20577"/>
+      <pc:docMkLst>
+        <pc:docMk/>
+      </pc:docMkLst>
+      <pc:sldChg chg="modSp">
+        <pc:chgData name="Maurice Droll" userId="S::drma1025@h-ka.de::306cf624-762e-4805-b567-51d64146fa42" providerId="AD" clId="Web-{DBF10ACB-9565-7ABE-454E-F67899B70E11}" dt="2024-01-14T22:40:13.625" v="7" actId="20577"/>
+        <pc:sldMkLst>
+          <pc:docMk/>
+          <pc:sldMk cId="3609810263" sldId="1091"/>
+        </pc:sldMkLst>
+        <pc:spChg chg="mod">
+          <ac:chgData name="Maurice Droll" userId="S::drma1025@h-ka.de::306cf624-762e-4805-b567-51d64146fa42" providerId="AD" clId="Web-{DBF10ACB-9565-7ABE-454E-F67899B70E11}" dt="2024-01-14T22:40:13.625" v="7" actId="20577"/>
+          <ac:spMkLst>
+            <pc:docMk/>
+            <pc:sldMk cId="3609810263" sldId="1091"/>
+            <ac:spMk id="8" creationId="{E3A6B3C8-6F75-EB43-A1A7-16036EE670BB}"/>
+          </ac:spMkLst>
+        </pc:spChg>
+      </pc:sldChg>
+      <pc:sldChg chg="addSp delSp modSp new del">
+        <pc:chgData name="Maurice Droll" userId="S::drma1025@h-ka.de::306cf624-762e-4805-b567-51d64146fa42" providerId="AD" clId="Web-{DBF10ACB-9565-7ABE-454E-F67899B70E11}" dt="2024-01-14T22:25:36.314" v="5"/>
+        <pc:sldMkLst>
+          <pc:docMk/>
+          <pc:sldMk cId="631776112" sldId="1100"/>
+        </pc:sldMkLst>
+        <pc:spChg chg="del">
+          <ac:chgData name="Maurice Droll" userId="S::drma1025@h-ka.de::306cf624-762e-4805-b567-51d64146fa42" providerId="AD" clId="Web-{DBF10ACB-9565-7ABE-454E-F67899B70E11}" dt="2024-01-14T22:25:30.126" v="1"/>
+          <ac:spMkLst>
+            <pc:docMk/>
+            <pc:sldMk cId="631776112" sldId="1100"/>
+            <ac:spMk id="2" creationId="{6A0D1384-0795-9B69-E254-EEFC7E6074E4}"/>
+          </ac:spMkLst>
+        </pc:spChg>
+        <pc:graphicFrameChg chg="add del mod">
+          <ac:chgData name="Maurice Droll" userId="S::drma1025@h-ka.de::306cf624-762e-4805-b567-51d64146fa42" providerId="AD" clId="Web-{DBF10ACB-9565-7ABE-454E-F67899B70E11}" dt="2024-01-14T22:25:34.251" v="4"/>
           <ac:graphicFrameMkLst>
             <pc:docMk/>
-            <pc:sldMk cId="3587079978" sldId="1104"/>
-            <ac:graphicFrameMk id="7" creationId="{EE744F85-9F12-01F6-E25A-9FBC56D818FC}"/>
+            <pc:sldMk cId="631776112" sldId="1100"/>
+            <ac:graphicFrameMk id="6" creationId="{CC94FD49-BA51-8AE4-C10F-A4518A15A308}"/>
           </ac:graphicFrameMkLst>
         </pc:graphicFrameChg>
+      </pc:sldChg>
+    </pc:docChg>
+  </pc:docChgLst>
+  <pc:docChgLst>
+    <pc:chgData name="Andreas Schmitt" userId="5207b21e-2ba2-46ed-97b4-17ee4e0d2c68" providerId="ADAL" clId="{E7549C9A-A6B2-4350-BE28-89D5425227D0}"/>
+    <pc:docChg chg="custSel delSld modSld modSection">
+      <pc:chgData name="Andreas Schmitt" userId="5207b21e-2ba2-46ed-97b4-17ee4e0d2c68" providerId="ADAL" clId="{E7549C9A-A6B2-4350-BE28-89D5425227D0}" dt="2024-01-12T15:59:46.612" v="12" actId="20577"/>
+      <pc:docMkLst>
+        <pc:docMk/>
+      </pc:docMkLst>
+      <pc:sldChg chg="modSp mod">
+        <pc:chgData name="Andreas Schmitt" userId="5207b21e-2ba2-46ed-97b4-17ee4e0d2c68" providerId="ADAL" clId="{E7549C9A-A6B2-4350-BE28-89D5425227D0}" dt="2024-01-12T15:59:46.612" v="12" actId="20577"/>
+        <pc:sldMkLst>
+          <pc:docMk/>
+          <pc:sldMk cId="1923399112" sldId="1087"/>
+        </pc:sldMkLst>
+        <pc:spChg chg="mod">
+          <ac:chgData name="Andreas Schmitt" userId="5207b21e-2ba2-46ed-97b4-17ee4e0d2c68" providerId="ADAL" clId="{E7549C9A-A6B2-4350-BE28-89D5425227D0}" dt="2024-01-12T15:59:44.179" v="7" actId="20577"/>
+          <ac:spMkLst>
+            <pc:docMk/>
+            <pc:sldMk cId="1923399112" sldId="1087"/>
+            <ac:spMk id="7" creationId="{62BFC551-9DB8-4BAB-B6B4-62F5F6909EC2}"/>
+          </ac:spMkLst>
+        </pc:spChg>
+        <pc:spChg chg="mod">
+          <ac:chgData name="Andreas Schmitt" userId="5207b21e-2ba2-46ed-97b4-17ee4e0d2c68" providerId="ADAL" clId="{E7549C9A-A6B2-4350-BE28-89D5425227D0}" dt="2024-01-12T15:59:46.612" v="12" actId="20577"/>
+          <ac:spMkLst>
+            <pc:docMk/>
+            <pc:sldMk cId="1923399112" sldId="1087"/>
+            <ac:spMk id="8" creationId="{7AA139CD-735D-4AB8-9FCE-080BDC820787}"/>
+          </ac:spMkLst>
+        </pc:spChg>
+      </pc:sldChg>
+      <pc:sldChg chg="addSp delSp modSp mod chgLayout">
+        <pc:chgData name="Andreas Schmitt" userId="5207b21e-2ba2-46ed-97b4-17ee4e0d2c68" providerId="ADAL" clId="{E7549C9A-A6B2-4350-BE28-89D5425227D0}" dt="2024-01-12T15:59:33.726" v="6" actId="20577"/>
+        <pc:sldMkLst>
+          <pc:docMk/>
+          <pc:sldMk cId="4124322762" sldId="1546"/>
+        </pc:sldMkLst>
+        <pc:spChg chg="add del mod">
+          <ac:chgData name="Andreas Schmitt" userId="5207b21e-2ba2-46ed-97b4-17ee4e0d2c68" providerId="ADAL" clId="{E7549C9A-A6B2-4350-BE28-89D5425227D0}" dt="2024-01-12T15:59:29.700" v="5" actId="700"/>
+          <ac:spMkLst>
+            <pc:docMk/>
+            <pc:sldMk cId="4124322762" sldId="1546"/>
+            <ac:spMk id="3" creationId="{0A41F8AE-8445-4F21-0F4D-077A774DB028}"/>
+          </ac:spMkLst>
+        </pc:spChg>
+        <pc:spChg chg="mod ord">
+          <ac:chgData name="Andreas Schmitt" userId="5207b21e-2ba2-46ed-97b4-17ee4e0d2c68" providerId="ADAL" clId="{E7549C9A-A6B2-4350-BE28-89D5425227D0}" dt="2024-01-12T15:59:29.700" v="5" actId="700"/>
+          <ac:spMkLst>
+            <pc:docMk/>
+            <pc:sldMk cId="4124322762" sldId="1546"/>
+            <ac:spMk id="4" creationId="{6006BF76-DBFF-4B68-8CB7-9F1550761310}"/>
+          </ac:spMkLst>
+        </pc:spChg>
+        <pc:spChg chg="mod ord">
+          <ac:chgData name="Andreas Schmitt" userId="5207b21e-2ba2-46ed-97b4-17ee4e0d2c68" providerId="ADAL" clId="{E7549C9A-A6B2-4350-BE28-89D5425227D0}" dt="2024-01-12T15:59:29.700" v="5" actId="700"/>
+          <ac:spMkLst>
+            <pc:docMk/>
+            <pc:sldMk cId="4124322762" sldId="1546"/>
+            <ac:spMk id="5" creationId="{1EA9214A-E96D-470A-8EDE-61CEBA45EA6E}"/>
+          </ac:spMkLst>
+        </pc:spChg>
+        <pc:spChg chg="add mod ord">
+          <ac:chgData name="Andreas Schmitt" userId="5207b21e-2ba2-46ed-97b4-17ee4e0d2c68" providerId="ADAL" clId="{E7549C9A-A6B2-4350-BE28-89D5425227D0}" dt="2024-01-12T15:59:29.700" v="5" actId="700"/>
+          <ac:spMkLst>
+            <pc:docMk/>
+            <pc:sldMk cId="4124322762" sldId="1546"/>
+            <ac:spMk id="7" creationId="{26523E40-D335-FE8D-B399-2688CE983F83}"/>
+          </ac:spMkLst>
+        </pc:spChg>
+        <pc:spChg chg="mod ord">
+          <ac:chgData name="Andreas Schmitt" userId="5207b21e-2ba2-46ed-97b4-17ee4e0d2c68" providerId="ADAL" clId="{E7549C9A-A6B2-4350-BE28-89D5425227D0}" dt="2024-01-12T15:59:33.726" v="6" actId="20577"/>
+          <ac:spMkLst>
+            <pc:docMk/>
+            <pc:sldMk cId="4124322762" sldId="1546"/>
+            <ac:spMk id="8" creationId="{C5348221-1137-4E3C-A316-B70160A89D22}"/>
+          </ac:spMkLst>
+        </pc:spChg>
+        <pc:spChg chg="del">
+          <ac:chgData name="Andreas Schmitt" userId="5207b21e-2ba2-46ed-97b4-17ee4e0d2c68" providerId="ADAL" clId="{E7549C9A-A6B2-4350-BE28-89D5425227D0}" dt="2024-01-12T15:59:11.444" v="1" actId="478"/>
+          <ac:spMkLst>
+            <pc:docMk/>
+            <pc:sldMk cId="4124322762" sldId="1546"/>
+            <ac:spMk id="9" creationId="{86E825F2-94E1-4BEB-9BC5-097415CC2841}"/>
+          </ac:spMkLst>
+        </pc:spChg>
+        <pc:picChg chg="del">
+          <ac:chgData name="Andreas Schmitt" userId="5207b21e-2ba2-46ed-97b4-17ee4e0d2c68" providerId="ADAL" clId="{E7549C9A-A6B2-4350-BE28-89D5425227D0}" dt="2024-01-12T15:59:27.052" v="4" actId="478"/>
+          <ac:picMkLst>
+            <pc:docMk/>
+            <pc:sldMk cId="4124322762" sldId="1546"/>
+            <ac:picMk id="6" creationId="{4BCE7187-B031-4A3D-A4AF-123A45C2961B}"/>
+          </ac:picMkLst>
+        </pc:picChg>
+        <pc:picChg chg="del">
+          <ac:chgData name="Andreas Schmitt" userId="5207b21e-2ba2-46ed-97b4-17ee4e0d2c68" providerId="ADAL" clId="{E7549C9A-A6B2-4350-BE28-89D5425227D0}" dt="2024-01-12T15:59:16.191" v="3" actId="478"/>
+          <ac:picMkLst>
+            <pc:docMk/>
+            <pc:sldMk cId="4124322762" sldId="1546"/>
+            <ac:picMk id="159746" creationId="{BF3EE483-55B4-4A4C-B4CA-B1CAB1AED712}"/>
+          </ac:picMkLst>
+        </pc:picChg>
+      </pc:sldChg>
+      <pc:sldChg chg="del">
+        <pc:chgData name="Andreas Schmitt" userId="5207b21e-2ba2-46ed-97b4-17ee4e0d2c68" providerId="ADAL" clId="{E7549C9A-A6B2-4350-BE28-89D5425227D0}" dt="2024-01-12T15:59:07.293" v="0" actId="47"/>
+        <pc:sldMkLst>
+          <pc:docMk/>
+          <pc:sldMk cId="3025201091" sldId="1547"/>
+        </pc:sldMkLst>
+      </pc:sldChg>
+      <pc:sldChg chg="del">
+        <pc:chgData name="Andreas Schmitt" userId="5207b21e-2ba2-46ed-97b4-17ee4e0d2c68" providerId="ADAL" clId="{E7549C9A-A6B2-4350-BE28-89D5425227D0}" dt="2024-01-12T15:59:07.293" v="0" actId="47"/>
+        <pc:sldMkLst>
+          <pc:docMk/>
+          <pc:sldMk cId="621429362" sldId="1548"/>
+        </pc:sldMkLst>
+      </pc:sldChg>
+      <pc:sldChg chg="del">
+        <pc:chgData name="Andreas Schmitt" userId="5207b21e-2ba2-46ed-97b4-17ee4e0d2c68" providerId="ADAL" clId="{E7549C9A-A6B2-4350-BE28-89D5425227D0}" dt="2024-01-12T15:59:07.293" v="0" actId="47"/>
+        <pc:sldMkLst>
+          <pc:docMk/>
+          <pc:sldMk cId="3098049718" sldId="1549"/>
+        </pc:sldMkLst>
+      </pc:sldChg>
+      <pc:sldChg chg="del">
+        <pc:chgData name="Andreas Schmitt" userId="5207b21e-2ba2-46ed-97b4-17ee4e0d2c68" providerId="ADAL" clId="{E7549C9A-A6B2-4350-BE28-89D5425227D0}" dt="2024-01-12T15:59:07.293" v="0" actId="47"/>
+        <pc:sldMkLst>
+          <pc:docMk/>
+          <pc:sldMk cId="2338000219" sldId="1550"/>
+        </pc:sldMkLst>
+      </pc:sldChg>
+      <pc:sldChg chg="del">
+        <pc:chgData name="Andreas Schmitt" userId="5207b21e-2ba2-46ed-97b4-17ee4e0d2c68" providerId="ADAL" clId="{E7549C9A-A6B2-4350-BE28-89D5425227D0}" dt="2024-01-12T15:59:07.293" v="0" actId="47"/>
+        <pc:sldMkLst>
+          <pc:docMk/>
+          <pc:sldMk cId="2043712411" sldId="1551"/>
+        </pc:sldMkLst>
+      </pc:sldChg>
+      <pc:sldChg chg="del">
+        <pc:chgData name="Andreas Schmitt" userId="5207b21e-2ba2-46ed-97b4-17ee4e0d2c68" providerId="ADAL" clId="{E7549C9A-A6B2-4350-BE28-89D5425227D0}" dt="2024-01-12T15:59:07.293" v="0" actId="47"/>
+        <pc:sldMkLst>
+          <pc:docMk/>
+          <pc:sldMk cId="1660463436" sldId="1552"/>
+        </pc:sldMkLst>
+      </pc:sldChg>
+      <pc:sldChg chg="del">
+        <pc:chgData name="Andreas Schmitt" userId="5207b21e-2ba2-46ed-97b4-17ee4e0d2c68" providerId="ADAL" clId="{E7549C9A-A6B2-4350-BE28-89D5425227D0}" dt="2024-01-12T15:59:07.293" v="0" actId="47"/>
+        <pc:sldMkLst>
+          <pc:docMk/>
+          <pc:sldMk cId="1584429505" sldId="1553"/>
+        </pc:sldMkLst>
+      </pc:sldChg>
+      <pc:sldChg chg="del">
+        <pc:chgData name="Andreas Schmitt" userId="5207b21e-2ba2-46ed-97b4-17ee4e0d2c68" providerId="ADAL" clId="{E7549C9A-A6B2-4350-BE28-89D5425227D0}" dt="2024-01-12T15:59:07.293" v="0" actId="47"/>
+        <pc:sldMkLst>
+          <pc:docMk/>
+          <pc:sldMk cId="416138586" sldId="1554"/>
+        </pc:sldMkLst>
+      </pc:sldChg>
+      <pc:sldChg chg="del">
+        <pc:chgData name="Andreas Schmitt" userId="5207b21e-2ba2-46ed-97b4-17ee4e0d2c68" providerId="ADAL" clId="{E7549C9A-A6B2-4350-BE28-89D5425227D0}" dt="2024-01-12T15:59:07.293" v="0" actId="47"/>
+        <pc:sldMkLst>
+          <pc:docMk/>
+          <pc:sldMk cId="2896236324" sldId="1555"/>
+        </pc:sldMkLst>
+      </pc:sldChg>
+      <pc:sldChg chg="del">
+        <pc:chgData name="Andreas Schmitt" userId="5207b21e-2ba2-46ed-97b4-17ee4e0d2c68" providerId="ADAL" clId="{E7549C9A-A6B2-4350-BE28-89D5425227D0}" dt="2024-01-12T15:59:07.293" v="0" actId="47"/>
+        <pc:sldMkLst>
+          <pc:docMk/>
+          <pc:sldMk cId="1306710642" sldId="1556"/>
+        </pc:sldMkLst>
+      </pc:sldChg>
+      <pc:sldChg chg="del">
+        <pc:chgData name="Andreas Schmitt" userId="5207b21e-2ba2-46ed-97b4-17ee4e0d2c68" providerId="ADAL" clId="{E7549C9A-A6B2-4350-BE28-89D5425227D0}" dt="2024-01-12T15:59:07.293" v="0" actId="47"/>
+        <pc:sldMkLst>
+          <pc:docMk/>
+          <pc:sldMk cId="3458310555" sldId="1557"/>
+        </pc:sldMkLst>
+      </pc:sldChg>
+      <pc:sldChg chg="del">
+        <pc:chgData name="Andreas Schmitt" userId="5207b21e-2ba2-46ed-97b4-17ee4e0d2c68" providerId="ADAL" clId="{E7549C9A-A6B2-4350-BE28-89D5425227D0}" dt="2024-01-12T15:59:07.293" v="0" actId="47"/>
+        <pc:sldMkLst>
+          <pc:docMk/>
+          <pc:sldMk cId="1285767656" sldId="1558"/>
+        </pc:sldMkLst>
+      </pc:sldChg>
+      <pc:sldChg chg="del">
+        <pc:chgData name="Andreas Schmitt" userId="5207b21e-2ba2-46ed-97b4-17ee4e0d2c68" providerId="ADAL" clId="{E7549C9A-A6B2-4350-BE28-89D5425227D0}" dt="2024-01-12T15:59:07.293" v="0" actId="47"/>
+        <pc:sldMkLst>
+          <pc:docMk/>
+          <pc:sldMk cId="2979046137" sldId="1559"/>
+        </pc:sldMkLst>
+      </pc:sldChg>
+      <pc:sldChg chg="del">
+        <pc:chgData name="Andreas Schmitt" userId="5207b21e-2ba2-46ed-97b4-17ee4e0d2c68" providerId="ADAL" clId="{E7549C9A-A6B2-4350-BE28-89D5425227D0}" dt="2024-01-12T15:59:07.293" v="0" actId="47"/>
+        <pc:sldMkLst>
+          <pc:docMk/>
+          <pc:sldMk cId="466958862" sldId="1560"/>
+        </pc:sldMkLst>
+      </pc:sldChg>
+      <pc:sldChg chg="del">
+        <pc:chgData name="Andreas Schmitt" userId="5207b21e-2ba2-46ed-97b4-17ee4e0d2c68" providerId="ADAL" clId="{E7549C9A-A6B2-4350-BE28-89D5425227D0}" dt="2024-01-12T15:59:07.293" v="0" actId="47"/>
+        <pc:sldMkLst>
+          <pc:docMk/>
+          <pc:sldMk cId="3818496155" sldId="1561"/>
+        </pc:sldMkLst>
+      </pc:sldChg>
+      <pc:sldChg chg="del">
+        <pc:chgData name="Andreas Schmitt" userId="5207b21e-2ba2-46ed-97b4-17ee4e0d2c68" providerId="ADAL" clId="{E7549C9A-A6B2-4350-BE28-89D5425227D0}" dt="2024-01-12T15:59:07.293" v="0" actId="47"/>
+        <pc:sldMkLst>
+          <pc:docMk/>
+          <pc:sldMk cId="1521153693" sldId="1562"/>
+        </pc:sldMkLst>
+      </pc:sldChg>
+      <pc:sldChg chg="del">
+        <pc:chgData name="Andreas Schmitt" userId="5207b21e-2ba2-46ed-97b4-17ee4e0d2c68" providerId="ADAL" clId="{E7549C9A-A6B2-4350-BE28-89D5425227D0}" dt="2024-01-12T15:59:07.293" v="0" actId="47"/>
+        <pc:sldMkLst>
+          <pc:docMk/>
+          <pc:sldMk cId="2082409152" sldId="1563"/>
+        </pc:sldMkLst>
+      </pc:sldChg>
+      <pc:sldChg chg="del">
+        <pc:chgData name="Andreas Schmitt" userId="5207b21e-2ba2-46ed-97b4-17ee4e0d2c68" providerId="ADAL" clId="{E7549C9A-A6B2-4350-BE28-89D5425227D0}" dt="2024-01-12T15:59:07.293" v="0" actId="47"/>
+        <pc:sldMkLst>
+          <pc:docMk/>
+          <pc:sldMk cId="1421332026" sldId="1564"/>
+        </pc:sldMkLst>
+      </pc:sldChg>
+      <pc:sldChg chg="del">
+        <pc:chgData name="Andreas Schmitt" userId="5207b21e-2ba2-46ed-97b4-17ee4e0d2c68" providerId="ADAL" clId="{E7549C9A-A6B2-4350-BE28-89D5425227D0}" dt="2024-01-12T15:59:07.293" v="0" actId="47"/>
+        <pc:sldMkLst>
+          <pc:docMk/>
+          <pc:sldMk cId="2546059997" sldId="1565"/>
+        </pc:sldMkLst>
+      </pc:sldChg>
+      <pc:sldChg chg="del">
+        <pc:chgData name="Andreas Schmitt" userId="5207b21e-2ba2-46ed-97b4-17ee4e0d2c68" providerId="ADAL" clId="{E7549C9A-A6B2-4350-BE28-89D5425227D0}" dt="2024-01-12T15:59:07.293" v="0" actId="47"/>
+        <pc:sldMkLst>
+          <pc:docMk/>
+          <pc:sldMk cId="69086398" sldId="1566"/>
+        </pc:sldMkLst>
+      </pc:sldChg>
+      <pc:sldChg chg="del">
+        <pc:chgData name="Andreas Schmitt" userId="5207b21e-2ba2-46ed-97b4-17ee4e0d2c68" providerId="ADAL" clId="{E7549C9A-A6B2-4350-BE28-89D5425227D0}" dt="2024-01-12T15:59:07.293" v="0" actId="47"/>
+        <pc:sldMkLst>
+          <pc:docMk/>
+          <pc:sldMk cId="3108707021" sldId="1567"/>
+        </pc:sldMkLst>
+      </pc:sldChg>
+      <pc:sldChg chg="del">
+        <pc:chgData name="Andreas Schmitt" userId="5207b21e-2ba2-46ed-97b4-17ee4e0d2c68" providerId="ADAL" clId="{E7549C9A-A6B2-4350-BE28-89D5425227D0}" dt="2024-01-12T15:59:07.293" v="0" actId="47"/>
+        <pc:sldMkLst>
+          <pc:docMk/>
+          <pc:sldMk cId="1295386140" sldId="1568"/>
+        </pc:sldMkLst>
+      </pc:sldChg>
+      <pc:sldChg chg="del">
+        <pc:chgData name="Andreas Schmitt" userId="5207b21e-2ba2-46ed-97b4-17ee4e0d2c68" providerId="ADAL" clId="{E7549C9A-A6B2-4350-BE28-89D5425227D0}" dt="2024-01-12T15:59:07.293" v="0" actId="47"/>
+        <pc:sldMkLst>
+          <pc:docMk/>
+          <pc:sldMk cId="2139347351" sldId="1569"/>
+        </pc:sldMkLst>
+      </pc:sldChg>
+      <pc:sldChg chg="del">
+        <pc:chgData name="Andreas Schmitt" userId="5207b21e-2ba2-46ed-97b4-17ee4e0d2c68" providerId="ADAL" clId="{E7549C9A-A6B2-4350-BE28-89D5425227D0}" dt="2024-01-12T15:59:07.293" v="0" actId="47"/>
+        <pc:sldMkLst>
+          <pc:docMk/>
+          <pc:sldMk cId="2977235744" sldId="1571"/>
+        </pc:sldMkLst>
+      </pc:sldChg>
+      <pc:sldChg chg="del">
+        <pc:chgData name="Andreas Schmitt" userId="5207b21e-2ba2-46ed-97b4-17ee4e0d2c68" providerId="ADAL" clId="{E7549C9A-A6B2-4350-BE28-89D5425227D0}" dt="2024-01-12T15:59:07.293" v="0" actId="47"/>
+        <pc:sldMkLst>
+          <pc:docMk/>
+          <pc:sldMk cId="816368900" sldId="1572"/>
+        </pc:sldMkLst>
+      </pc:sldChg>
+      <pc:sldChg chg="del">
+        <pc:chgData name="Andreas Schmitt" userId="5207b21e-2ba2-46ed-97b4-17ee4e0d2c68" providerId="ADAL" clId="{E7549C9A-A6B2-4350-BE28-89D5425227D0}" dt="2024-01-12T15:59:07.293" v="0" actId="47"/>
+        <pc:sldMkLst>
+          <pc:docMk/>
+          <pc:sldMk cId="2028417578" sldId="1573"/>
+        </pc:sldMkLst>
+      </pc:sldChg>
+      <pc:sldChg chg="del">
+        <pc:chgData name="Andreas Schmitt" userId="5207b21e-2ba2-46ed-97b4-17ee4e0d2c68" providerId="ADAL" clId="{E7549C9A-A6B2-4350-BE28-89D5425227D0}" dt="2024-01-12T15:59:07.293" v="0" actId="47"/>
+        <pc:sldMkLst>
+          <pc:docMk/>
+          <pc:sldMk cId="1506543526" sldId="1574"/>
+        </pc:sldMkLst>
+      </pc:sldChg>
+      <pc:sldChg chg="del">
+        <pc:chgData name="Andreas Schmitt" userId="5207b21e-2ba2-46ed-97b4-17ee4e0d2c68" providerId="ADAL" clId="{E7549C9A-A6B2-4350-BE28-89D5425227D0}" dt="2024-01-12T15:59:07.293" v="0" actId="47"/>
+        <pc:sldMkLst>
+          <pc:docMk/>
+          <pc:sldMk cId="512343751" sldId="1575"/>
+        </pc:sldMkLst>
+      </pc:sldChg>
+      <pc:sldChg chg="del">
+        <pc:chgData name="Andreas Schmitt" userId="5207b21e-2ba2-46ed-97b4-17ee4e0d2c68" providerId="ADAL" clId="{E7549C9A-A6B2-4350-BE28-89D5425227D0}" dt="2024-01-12T15:59:07.293" v="0" actId="47"/>
+        <pc:sldMkLst>
+          <pc:docMk/>
+          <pc:sldMk cId="3750884767" sldId="1576"/>
+        </pc:sldMkLst>
+      </pc:sldChg>
+      <pc:sldChg chg="del">
+        <pc:chgData name="Andreas Schmitt" userId="5207b21e-2ba2-46ed-97b4-17ee4e0d2c68" providerId="ADAL" clId="{E7549C9A-A6B2-4350-BE28-89D5425227D0}" dt="2024-01-12T15:59:07.293" v="0" actId="47"/>
+        <pc:sldMkLst>
+          <pc:docMk/>
+          <pc:sldMk cId="1733463454" sldId="1577"/>
+        </pc:sldMkLst>
+      </pc:sldChg>
+      <pc:sldChg chg="del">
+        <pc:chgData name="Andreas Schmitt" userId="5207b21e-2ba2-46ed-97b4-17ee4e0d2c68" providerId="ADAL" clId="{E7549C9A-A6B2-4350-BE28-89D5425227D0}" dt="2024-01-12T15:59:07.293" v="0" actId="47"/>
+        <pc:sldMkLst>
+          <pc:docMk/>
+          <pc:sldMk cId="1033279443" sldId="1580"/>
+        </pc:sldMkLst>
+      </pc:sldChg>
+      <pc:sldChg chg="del">
+        <pc:chgData name="Andreas Schmitt" userId="5207b21e-2ba2-46ed-97b4-17ee4e0d2c68" providerId="ADAL" clId="{E7549C9A-A6B2-4350-BE28-89D5425227D0}" dt="2024-01-12T15:59:07.293" v="0" actId="47"/>
+        <pc:sldMkLst>
+          <pc:docMk/>
+          <pc:sldMk cId="576485239" sldId="1581"/>
+        </pc:sldMkLst>
+      </pc:sldChg>
+      <pc:sldChg chg="del">
+        <pc:chgData name="Andreas Schmitt" userId="5207b21e-2ba2-46ed-97b4-17ee4e0d2c68" providerId="ADAL" clId="{E7549C9A-A6B2-4350-BE28-89D5425227D0}" dt="2024-01-12T15:59:07.293" v="0" actId="47"/>
+        <pc:sldMkLst>
+          <pc:docMk/>
+          <pc:sldMk cId="3742811623" sldId="1582"/>
+        </pc:sldMkLst>
+      </pc:sldChg>
+    </pc:docChg>
+  </pc:docChgLst>
+  <pc:docChgLst>
+    <pc:chgData name="Maurice Droll" userId="S::drma1025@h-ka.de::306cf624-762e-4805-b567-51d64146fa42" providerId="AD" clId="Web-{B29573DE-7E2E-62C6-3CE2-D2CFDB9B4E54}"/>
+    <pc:docChg chg="modSld sldOrd">
+      <pc:chgData name="Maurice Droll" userId="S::drma1025@h-ka.de::306cf624-762e-4805-b567-51d64146fa42" providerId="AD" clId="Web-{B29573DE-7E2E-62C6-3CE2-D2CFDB9B4E54}" dt="2024-01-14T18:17:19.305" v="134" actId="20577"/>
+      <pc:docMkLst>
+        <pc:docMk/>
+      </pc:docMkLst>
+      <pc:sldChg chg="modSp">
+        <pc:chgData name="Maurice Droll" userId="S::drma1025@h-ka.de::306cf624-762e-4805-b567-51d64146fa42" providerId="AD" clId="Web-{B29573DE-7E2E-62C6-3CE2-D2CFDB9B4E54}" dt="2024-01-14T18:12:21.296" v="5" actId="20577"/>
+        <pc:sldMkLst>
+          <pc:docMk/>
+          <pc:sldMk cId="454951695" sldId="1092"/>
+        </pc:sldMkLst>
+        <pc:spChg chg="mod">
+          <ac:chgData name="Maurice Droll" userId="S::drma1025@h-ka.de::306cf624-762e-4805-b567-51d64146fa42" providerId="AD" clId="Web-{B29573DE-7E2E-62C6-3CE2-D2CFDB9B4E54}" dt="2024-01-14T18:12:21.296" v="5" actId="20577"/>
+          <ac:spMkLst>
+            <pc:docMk/>
+            <pc:sldMk cId="454951695" sldId="1092"/>
+            <ac:spMk id="8" creationId="{E3A6B3C8-6F75-EB43-A1A7-16036EE670BB}"/>
+          </ac:spMkLst>
+        </pc:spChg>
+      </pc:sldChg>
+      <pc:sldChg chg="ord">
+        <pc:chgData name="Maurice Droll" userId="S::drma1025@h-ka.de::306cf624-762e-4805-b567-51d64146fa42" providerId="AD" clId="Web-{B29573DE-7E2E-62C6-3CE2-D2CFDB9B4E54}" dt="2024-01-14T18:13:03.047" v="6"/>
+        <pc:sldMkLst>
+          <pc:docMk/>
+          <pc:sldMk cId="652909132" sldId="1093"/>
+        </pc:sldMkLst>
+      </pc:sldChg>
+      <pc:sldChg chg="addSp modSp">
+        <pc:chgData name="Maurice Droll" userId="S::drma1025@h-ka.de::306cf624-762e-4805-b567-51d64146fa42" providerId="AD" clId="Web-{B29573DE-7E2E-62C6-3CE2-D2CFDB9B4E54}" dt="2024-01-14T18:17:19.305" v="134" actId="20577"/>
+        <pc:sldMkLst>
+          <pc:docMk/>
+          <pc:sldMk cId="3111353975" sldId="1094"/>
+        </pc:sldMkLst>
+        <pc:spChg chg="mod">
+          <ac:chgData name="Maurice Droll" userId="S::drma1025@h-ka.de::306cf624-762e-4805-b567-51d64146fa42" providerId="AD" clId="Web-{B29573DE-7E2E-62C6-3CE2-D2CFDB9B4E54}" dt="2024-01-14T18:16:38.054" v="109" actId="14100"/>
+          <ac:spMkLst>
+            <pc:docMk/>
+            <pc:sldMk cId="3111353975" sldId="1094"/>
+            <ac:spMk id="3" creationId="{33A6CABB-4BAF-1162-3D3D-B40EABF24B4B}"/>
+          </ac:spMkLst>
+        </pc:spChg>
+        <pc:spChg chg="add mod">
+          <ac:chgData name="Maurice Droll" userId="S::drma1025@h-ka.de::306cf624-762e-4805-b567-51d64146fa42" providerId="AD" clId="Web-{B29573DE-7E2E-62C6-3CE2-D2CFDB9B4E54}" dt="2024-01-14T18:17:13.430" v="127" actId="20577"/>
+          <ac:spMkLst>
+            <pc:docMk/>
+            <pc:sldMk cId="3111353975" sldId="1094"/>
+            <ac:spMk id="6" creationId="{965EB4DE-5658-931B-47A4-5983D1E379F4}"/>
+          </ac:spMkLst>
+        </pc:spChg>
+        <pc:spChg chg="add mod">
+          <ac:chgData name="Maurice Droll" userId="S::drma1025@h-ka.de::306cf624-762e-4805-b567-51d64146fa42" providerId="AD" clId="Web-{B29573DE-7E2E-62C6-3CE2-D2CFDB9B4E54}" dt="2024-01-14T18:16:50.179" v="114" actId="1076"/>
+          <ac:spMkLst>
+            <pc:docMk/>
+            <pc:sldMk cId="3111353975" sldId="1094"/>
+            <ac:spMk id="7" creationId="{6358756C-57FC-13A1-6FE0-19DF27B814E1}"/>
+          </ac:spMkLst>
+        </pc:spChg>
+        <pc:spChg chg="add mod">
+          <ac:chgData name="Maurice Droll" userId="S::drma1025@h-ka.de::306cf624-762e-4805-b567-51d64146fa42" providerId="AD" clId="Web-{B29573DE-7E2E-62C6-3CE2-D2CFDB9B4E54}" dt="2024-01-14T18:16:48.179" v="113" actId="1076"/>
+          <ac:spMkLst>
+            <pc:docMk/>
+            <pc:sldMk cId="3111353975" sldId="1094"/>
+            <ac:spMk id="8" creationId="{EA4E5397-F94D-2289-0FFD-4AF6298C057A}"/>
+          </ac:spMkLst>
+        </pc:spChg>
+        <pc:spChg chg="add mod">
+          <ac:chgData name="Maurice Droll" userId="S::drma1025@h-ka.de::306cf624-762e-4805-b567-51d64146fa42" providerId="AD" clId="Web-{B29573DE-7E2E-62C6-3CE2-D2CFDB9B4E54}" dt="2024-01-14T18:16:57.382" v="116" actId="1076"/>
+          <ac:spMkLst>
+            <pc:docMk/>
+            <pc:sldMk cId="3111353975" sldId="1094"/>
+            <ac:spMk id="9" creationId="{DBA3133A-00E5-D666-7584-0C71148810C1}"/>
+          </ac:spMkLst>
+        </pc:spChg>
+        <pc:spChg chg="add mod">
+          <ac:chgData name="Maurice Droll" userId="S::drma1025@h-ka.de::306cf624-762e-4805-b567-51d64146fa42" providerId="AD" clId="Web-{B29573DE-7E2E-62C6-3CE2-D2CFDB9B4E54}" dt="2024-01-14T18:17:00.992" v="118" actId="1076"/>
+          <ac:spMkLst>
+            <pc:docMk/>
+            <pc:sldMk cId="3111353975" sldId="1094"/>
+            <ac:spMk id="10" creationId="{3B42BBB8-9768-3648-6471-8E1AC28E3FA5}"/>
+          </ac:spMkLst>
+        </pc:spChg>
+        <pc:spChg chg="add mod">
+          <ac:chgData name="Maurice Droll" userId="S::drma1025@h-ka.de::306cf624-762e-4805-b567-51d64146fa42" providerId="AD" clId="Web-{B29573DE-7E2E-62C6-3CE2-D2CFDB9B4E54}" dt="2024-01-14T18:17:19.305" v="134" actId="20577"/>
+          <ac:spMkLst>
+            <pc:docMk/>
+            <pc:sldMk cId="3111353975" sldId="1094"/>
+            <ac:spMk id="11" creationId="{5D302232-D948-1DA0-56BB-035020D32B25}"/>
+          </ac:spMkLst>
+        </pc:spChg>
+      </pc:sldChg>
+    </pc:docChg>
+  </pc:docChgLst>
+  <pc:docChgLst>
+    <pc:chgData name="Andreas Schmitt" userId="S::scan1116@h-ka.de::8063fb94-ab75-422e-8c1a-acc5a068cdc8" providerId="AD" clId="Web-{4A28E82F-4AAE-4A41-A134-38C7C824C94B}"/>
+    <pc:docChg chg="addSld modSld modSection">
+      <pc:chgData name="Andreas Schmitt" userId="S::scan1116@h-ka.de::8063fb94-ab75-422e-8c1a-acc5a068cdc8" providerId="AD" clId="Web-{4A28E82F-4AAE-4A41-A134-38C7C824C94B}" dt="2024-01-15T08:50:05.983" v="22" actId="20577"/>
+      <pc:docMkLst>
+        <pc:docMk/>
+      </pc:docMkLst>
+      <pc:sldChg chg="delSp modSp add replId">
+        <pc:chgData name="Andreas Schmitt" userId="S::scan1116@h-ka.de::8063fb94-ab75-422e-8c1a-acc5a068cdc8" providerId="AD" clId="Web-{4A28E82F-4AAE-4A41-A134-38C7C824C94B}" dt="2024-01-15T08:50:05.983" v="22" actId="20577"/>
+        <pc:sldMkLst>
+          <pc:docMk/>
+          <pc:sldMk cId="2319869533" sldId="1099"/>
+        </pc:sldMkLst>
+        <pc:spChg chg="mod">
+          <ac:chgData name="Andreas Schmitt" userId="S::scan1116@h-ka.de::8063fb94-ab75-422e-8c1a-acc5a068cdc8" providerId="AD" clId="Web-{4A28E82F-4AAE-4A41-A134-38C7C824C94B}" dt="2024-01-15T08:50:05.983" v="22" actId="20577"/>
+          <ac:spMkLst>
+            <pc:docMk/>
+            <pc:sldMk cId="2319869533" sldId="1099"/>
+            <ac:spMk id="7" creationId="{A945391F-F142-2DF7-18E6-0D739F709B5C}"/>
+          </ac:spMkLst>
+        </pc:spChg>
+        <pc:spChg chg="mod">
+          <ac:chgData name="Andreas Schmitt" userId="S::scan1116@h-ka.de::8063fb94-ab75-422e-8c1a-acc5a068cdc8" providerId="AD" clId="Web-{4A28E82F-4AAE-4A41-A134-38C7C824C94B}" dt="2024-01-15T08:49:46.810" v="20" actId="20577"/>
+          <ac:spMkLst>
+            <pc:docMk/>
+            <pc:sldMk cId="2319869533" sldId="1099"/>
+            <ac:spMk id="8" creationId="{E988E23E-778A-3EA9-AE8D-70D955921104}"/>
+          </ac:spMkLst>
+        </pc:spChg>
+        <pc:picChg chg="del">
+          <ac:chgData name="Andreas Schmitt" userId="S::scan1116@h-ka.de::8063fb94-ab75-422e-8c1a-acc5a068cdc8" providerId="AD" clId="Web-{4A28E82F-4AAE-4A41-A134-38C7C824C94B}" dt="2024-01-15T08:49:37.060" v="1"/>
+          <ac:picMkLst>
+            <pc:docMk/>
+            <pc:sldMk cId="2319869533" sldId="1099"/>
+            <ac:picMk id="10" creationId="{24C112A4-ACC8-F41F-AF78-BC7AE385EDB0}"/>
+          </ac:picMkLst>
+        </pc:picChg>
+      </pc:sldChg>
+    </pc:docChg>
+  </pc:docChgLst>
+  <pc:docChgLst>
+    <pc:chgData name="Maurice Droll" userId="S::drma1025@h-ka.de::306cf624-762e-4805-b567-51d64146fa42" providerId="AD" clId="Web-{8F9D384A-08E8-00C7-CB5A-A43CF671CF05}"/>
+    <pc:docChg chg="addSld modSld">
+      <pc:chgData name="Maurice Droll" userId="S::drma1025@h-ka.de::306cf624-762e-4805-b567-51d64146fa42" providerId="AD" clId="Web-{8F9D384A-08E8-00C7-CB5A-A43CF671CF05}" dt="2024-01-16T10:35:35.537" v="154" actId="14100"/>
+      <pc:docMkLst>
+        <pc:docMk/>
+      </pc:docMkLst>
+      <pc:sldChg chg="modSp">
+        <pc:chgData name="Maurice Droll" userId="S::drma1025@h-ka.de::306cf624-762e-4805-b567-51d64146fa42" providerId="AD" clId="Web-{8F9D384A-08E8-00C7-CB5A-A43CF671CF05}" dt="2024-01-16T10:35:35.537" v="154" actId="14100"/>
+        <pc:sldMkLst>
+          <pc:docMk/>
+          <pc:sldMk cId="1923399112" sldId="1087"/>
+        </pc:sldMkLst>
+        <pc:spChg chg="mod">
+          <ac:chgData name="Maurice Droll" userId="S::drma1025@h-ka.de::306cf624-762e-4805-b567-51d64146fa42" providerId="AD" clId="Web-{8F9D384A-08E8-00C7-CB5A-A43CF671CF05}" dt="2024-01-16T10:35:35.537" v="154" actId="14100"/>
+          <ac:spMkLst>
+            <pc:docMk/>
+            <pc:sldMk cId="1923399112" sldId="1087"/>
+            <ac:spMk id="8" creationId="{7AA139CD-735D-4AB8-9FCE-080BDC820787}"/>
+          </ac:spMkLst>
+        </pc:spChg>
+      </pc:sldChg>
+      <pc:sldChg chg="addSp modSp">
+        <pc:chgData name="Maurice Droll" userId="S::drma1025@h-ka.de::306cf624-762e-4805-b567-51d64146fa42" providerId="AD" clId="Web-{8F9D384A-08E8-00C7-CB5A-A43CF671CF05}" dt="2024-01-15T16:12:32.727" v="2"/>
+        <pc:sldMkLst>
+          <pc:docMk/>
+          <pc:sldMk cId="4061517964" sldId="1090"/>
+        </pc:sldMkLst>
+        <pc:spChg chg="add mod">
+          <ac:chgData name="Maurice Droll" userId="S::drma1025@h-ka.de::306cf624-762e-4805-b567-51d64146fa42" providerId="AD" clId="Web-{8F9D384A-08E8-00C7-CB5A-A43CF671CF05}" dt="2024-01-15T16:12:32.727" v="2"/>
+          <ac:spMkLst>
+            <pc:docMk/>
+            <pc:sldMk cId="4061517964" sldId="1090"/>
+            <ac:spMk id="2" creationId="{56EFD822-F0D6-BBBE-6251-8C0E87573559}"/>
+          </ac:spMkLst>
+        </pc:spChg>
+      </pc:sldChg>
+      <pc:sldChg chg="modSp">
+        <pc:chgData name="Maurice Droll" userId="S::drma1025@h-ka.de::306cf624-762e-4805-b567-51d64146fa42" providerId="AD" clId="Web-{8F9D384A-08E8-00C7-CB5A-A43CF671CF05}" dt="2024-01-15T17:54:56.683" v="64" actId="20577"/>
+        <pc:sldMkLst>
+          <pc:docMk/>
+          <pc:sldMk cId="4000893962" sldId="1101"/>
+        </pc:sldMkLst>
+        <pc:spChg chg="mod">
+          <ac:chgData name="Maurice Droll" userId="S::drma1025@h-ka.de::306cf624-762e-4805-b567-51d64146fa42" providerId="AD" clId="Web-{8F9D384A-08E8-00C7-CB5A-A43CF671CF05}" dt="2024-01-15T17:54:56.683" v="64" actId="20577"/>
+          <ac:spMkLst>
+            <pc:docMk/>
+            <pc:sldMk cId="4000893962" sldId="1101"/>
+            <ac:spMk id="3" creationId="{72B47EB2-3EE4-8A53-1DF6-D47A55ECE0E9}"/>
+          </ac:spMkLst>
+        </pc:spChg>
+      </pc:sldChg>
+      <pc:sldChg chg="addSp delSp modSp new mod modClrScheme chgLayout">
+        <pc:chgData name="Maurice Droll" userId="S::drma1025@h-ka.de::306cf624-762e-4805-b567-51d64146fa42" providerId="AD" clId="Web-{8F9D384A-08E8-00C7-CB5A-A43CF671CF05}" dt="2024-01-15T18:20:47.799" v="145"/>
+        <pc:sldMkLst>
+          <pc:docMk/>
+          <pc:sldMk cId="105000510" sldId="1102"/>
+        </pc:sldMkLst>
+        <pc:spChg chg="mod ord">
+          <ac:chgData name="Maurice Droll" userId="S::drma1025@h-ka.de::306cf624-762e-4805-b567-51d64146fa42" providerId="AD" clId="Web-{8F9D384A-08E8-00C7-CB5A-A43CF671CF05}" dt="2024-01-15T17:56:17.513" v="77"/>
+          <ac:spMkLst>
+            <pc:docMk/>
+            <pc:sldMk cId="105000510" sldId="1102"/>
+            <ac:spMk id="2" creationId="{7B541703-1F97-DF24-4C01-C47367B6B1D8}"/>
+          </ac:spMkLst>
+        </pc:spChg>
+        <pc:spChg chg="del mod ord">
+          <ac:chgData name="Maurice Droll" userId="S::drma1025@h-ka.de::306cf624-762e-4805-b567-51d64146fa42" providerId="AD" clId="Web-{8F9D384A-08E8-00C7-CB5A-A43CF671CF05}" dt="2024-01-15T17:57:22.141" v="78"/>
+          <ac:spMkLst>
+            <pc:docMk/>
+            <pc:sldMk cId="105000510" sldId="1102"/>
+            <ac:spMk id="3" creationId="{0A7B7BE6-57D4-939A-38D1-F8230A592D45}"/>
+          </ac:spMkLst>
+        </pc:spChg>
+        <pc:spChg chg="del">
+          <ac:chgData name="Maurice Droll" userId="S::drma1025@h-ka.de::306cf624-762e-4805-b567-51d64146fa42" providerId="AD" clId="Web-{8F9D384A-08E8-00C7-CB5A-A43CF671CF05}" dt="2024-01-15T17:56:17.513" v="77"/>
+          <ac:spMkLst>
+            <pc:docMk/>
+            <pc:sldMk cId="105000510" sldId="1102"/>
+            <ac:spMk id="4" creationId="{7C2E4785-7177-2539-F420-7FCD49802B3A}"/>
+          </ac:spMkLst>
+        </pc:spChg>
+        <pc:spChg chg="mod ord">
+          <ac:chgData name="Maurice Droll" userId="S::drma1025@h-ka.de::306cf624-762e-4805-b567-51d64146fa42" providerId="AD" clId="Web-{8F9D384A-08E8-00C7-CB5A-A43CF671CF05}" dt="2024-01-15T17:56:17.513" v="77"/>
+          <ac:spMkLst>
+            <pc:docMk/>
+            <pc:sldMk cId="105000510" sldId="1102"/>
+            <ac:spMk id="5" creationId="{E2C1A03B-4013-21C3-830F-E8D301FC9A50}"/>
+          </ac:spMkLst>
+        </pc:spChg>
+        <pc:spChg chg="mod ord">
+          <ac:chgData name="Maurice Droll" userId="S::drma1025@h-ka.de::306cf624-762e-4805-b567-51d64146fa42" providerId="AD" clId="Web-{8F9D384A-08E8-00C7-CB5A-A43CF671CF05}" dt="2024-01-15T17:56:17.513" v="77"/>
+          <ac:spMkLst>
+            <pc:docMk/>
+            <pc:sldMk cId="105000510" sldId="1102"/>
+            <ac:spMk id="6" creationId="{198383C1-8BE6-4297-2F68-65F139569518}"/>
+          </ac:spMkLst>
+        </pc:spChg>
+        <pc:picChg chg="add del mod">
+          <ac:chgData name="Maurice Droll" userId="S::drma1025@h-ka.de::306cf624-762e-4805-b567-51d64146fa42" providerId="AD" clId="Web-{8F9D384A-08E8-00C7-CB5A-A43CF671CF05}" dt="2024-01-15T18:04:36.531" v="83"/>
+          <ac:picMkLst>
+            <pc:docMk/>
+            <pc:sldMk cId="105000510" sldId="1102"/>
+            <ac:picMk id="7" creationId="{C637D433-7671-2258-E10E-7DE9715D6C89}"/>
+          </ac:picMkLst>
+        </pc:picChg>
+        <pc:picChg chg="add del mod">
+          <ac:chgData name="Maurice Droll" userId="S::drma1025@h-ka.de::306cf624-762e-4805-b567-51d64146fa42" providerId="AD" clId="Web-{8F9D384A-08E8-00C7-CB5A-A43CF671CF05}" dt="2024-01-15T18:04:55.453" v="85"/>
+          <ac:picMkLst>
+            <pc:docMk/>
+            <pc:sldMk cId="105000510" sldId="1102"/>
+            <ac:picMk id="8" creationId="{CF713B3F-2CDF-8738-EF7F-20C707955501}"/>
+          </ac:picMkLst>
+        </pc:picChg>
+        <pc:picChg chg="add mod">
+          <ac:chgData name="Maurice Droll" userId="S::drma1025@h-ka.de::306cf624-762e-4805-b567-51d64146fa42" providerId="AD" clId="Web-{8F9D384A-08E8-00C7-CB5A-A43CF671CF05}" dt="2024-01-15T18:20:41.330" v="143"/>
+          <ac:picMkLst>
+            <pc:docMk/>
+            <pc:sldMk cId="105000510" sldId="1102"/>
+            <ac:picMk id="9" creationId="{38A007D6-D175-6B39-9EE8-41D9E8F8ED0F}"/>
+          </ac:picMkLst>
+        </pc:picChg>
+        <pc:picChg chg="add mod">
+          <ac:chgData name="Maurice Droll" userId="S::drma1025@h-ka.de::306cf624-762e-4805-b567-51d64146fa42" providerId="AD" clId="Web-{8F9D384A-08E8-00C7-CB5A-A43CF671CF05}" dt="2024-01-15T18:20:44.799" v="144"/>
+          <ac:picMkLst>
+            <pc:docMk/>
+            <pc:sldMk cId="105000510" sldId="1102"/>
+            <ac:picMk id="10" creationId="{11EA6DC1-BB33-40A9-B59B-9B46853C72B5}"/>
+          </ac:picMkLst>
+        </pc:picChg>
+        <pc:picChg chg="add mod">
+          <ac:chgData name="Maurice Droll" userId="S::drma1025@h-ka.de::306cf624-762e-4805-b567-51d64146fa42" providerId="AD" clId="Web-{8F9D384A-08E8-00C7-CB5A-A43CF671CF05}" dt="2024-01-15T18:20:47.799" v="145"/>
+          <ac:picMkLst>
+            <pc:docMk/>
+            <pc:sldMk cId="105000510" sldId="1102"/>
+            <ac:picMk id="11" creationId="{3F01A124-2A57-0190-389A-2630C19E028A}"/>
+          </ac:picMkLst>
+        </pc:picChg>
+        <pc:picChg chg="add mod">
+          <ac:chgData name="Maurice Droll" userId="S::drma1025@h-ka.de::306cf624-762e-4805-b567-51d64146fa42" providerId="AD" clId="Web-{8F9D384A-08E8-00C7-CB5A-A43CF671CF05}" dt="2024-01-15T18:14:43.193" v="132" actId="1076"/>
+          <ac:picMkLst>
+            <pc:docMk/>
+            <pc:sldMk cId="105000510" sldId="1102"/>
+            <ac:picMk id="12" creationId="{3B5DC5A6-F667-1692-0C4D-48954876E196}"/>
+          </ac:picMkLst>
+        </pc:picChg>
+        <pc:picChg chg="add del mod">
+          <ac:chgData name="Maurice Droll" userId="S::drma1025@h-ka.de::306cf624-762e-4805-b567-51d64146fa42" providerId="AD" clId="Web-{8F9D384A-08E8-00C7-CB5A-A43CF671CF05}" dt="2024-01-15T18:19:44.187" v="139"/>
+          <ac:picMkLst>
+            <pc:docMk/>
+            <pc:sldMk cId="105000510" sldId="1102"/>
+            <ac:picMk id="13" creationId="{309869FC-2DB4-E817-A83A-975E02319076}"/>
+          </ac:picMkLst>
+        </pc:picChg>
+        <pc:picChg chg="add mod">
+          <ac:chgData name="Maurice Droll" userId="S::drma1025@h-ka.de::306cf624-762e-4805-b567-51d64146fa42" providerId="AD" clId="Web-{8F9D384A-08E8-00C7-CB5A-A43CF671CF05}" dt="2024-01-15T18:19:57.375" v="142" actId="1076"/>
+          <ac:picMkLst>
+            <pc:docMk/>
+            <pc:sldMk cId="105000510" sldId="1102"/>
+            <ac:picMk id="14" creationId="{C0B93AC2-DB70-E7B9-A7EA-8E95BC8F8592}"/>
+          </ac:picMkLst>
+        </pc:picChg>
       </pc:sldChg>
     </pc:docChg>
   </pc:docChgLst>
@@ -3386,7 +3455,9 @@
     <c:showDLblsOverMax val="0"/>
   </c:chart>
   <c:spPr>
-    <a:noFill/>
+    <a:solidFill>
+      <a:schemeClr val="bg1"/>
+    </a:solidFill>
     <a:ln>
       <a:noFill/>
     </a:ln>
@@ -4045,7 +4116,9 @@
     <c:showDLblsOverMax val="0"/>
   </c:chart>
   <c:spPr>
-    <a:noFill/>
+    <a:solidFill>
+      <a:schemeClr val="bg1"/>
+    </a:solidFill>
     <a:ln>
       <a:noFill/>
     </a:ln>
@@ -4703,7 +4776,9 @@
     <c:showDLblsOverMax val="0"/>
   </c:chart>
   <c:spPr>
-    <a:noFill/>
+    <a:solidFill>
+      <a:schemeClr val="bg1"/>
+    </a:solidFill>
     <a:ln>
       <a:noFill/>
     </a:ln>
@@ -4766,7 +4841,7 @@
             </a:pPr>
             <a:r>
               <a:rPr lang="de-DE" dirty="0"/>
-              <a:t>(15 Wiederholungen)</a:t>
+              <a:t>(13 Wiederholungen)</a:t>
             </a:r>
           </a:p>
         </c:rich>
@@ -5340,7 +5415,9 @@
     <c:showDLblsOverMax val="0"/>
   </c:chart>
   <c:spPr>
-    <a:noFill/>
+    <a:solidFill>
+      <a:schemeClr val="bg1"/>
+    </a:solidFill>
     <a:ln>
       <a:noFill/>
     </a:ln>
@@ -7623,7 +7700,7 @@
           <a:p>
             <a:fld id="{434BAF5B-C937-F24D-AEEE-A25B9820327F}" type="datetimeFigureOut">
               <a:rPr lang="de-DE" smtClean="0"/>
-              <a:t>23.01.2024</a:t>
+              <a:t>25.01.2024</a:t>
             </a:fld>
             <a:endParaRPr lang="de-DE"/>
           </a:p>
@@ -7789,7 +7866,7 @@
             <a:fld id="{4D16EEFE-D067-4349-B2E2-591BB1E476CB}" type="datetimeFigureOut">
               <a:rPr lang="de-DE" smtClean="0"/>
               <a:pPr/>
-              <a:t>23.01.2024</a:t>
+              <a:t>25.01.2024</a:t>
             </a:fld>
             <a:endParaRPr lang="de-DE"/>
           </a:p>
@@ -15897,7 +15974,7 @@
           <p:nvPr>
             <p:extLst>
               <p:ext uri="{D42A27DB-BD31-4B8C-83A1-F6EECF244321}">
-                <p14:modId xmlns:p14="http://schemas.microsoft.com/office/powerpoint/2010/main" val="192914291"/>
+                <p14:modId xmlns:p14="http://schemas.microsoft.com/office/powerpoint/2010/main" val="1255667662"/>
               </p:ext>
             </p:extLst>
           </p:nvPr>
@@ -16052,7 +16129,7 @@
           <p:nvPr>
             <p:extLst>
               <p:ext uri="{D42A27DB-BD31-4B8C-83A1-F6EECF244321}">
-                <p14:modId xmlns:p14="http://schemas.microsoft.com/office/powerpoint/2010/main" val="2190051012"/>
+                <p14:modId xmlns:p14="http://schemas.microsoft.com/office/powerpoint/2010/main" val="3688405885"/>
               </p:ext>
             </p:extLst>
           </p:nvPr>
@@ -16202,7 +16279,7 @@
           <p:nvPr>
             <p:extLst>
               <p:ext uri="{D42A27DB-BD31-4B8C-83A1-F6EECF244321}">
-                <p14:modId xmlns:p14="http://schemas.microsoft.com/office/powerpoint/2010/main" val="3162272088"/>
+                <p14:modId xmlns:p14="http://schemas.microsoft.com/office/powerpoint/2010/main" val="3970805006"/>
               </p:ext>
             </p:extLst>
           </p:nvPr>
@@ -19970,7 +20047,7 @@
           <p:nvPr>
             <p:extLst>
               <p:ext uri="{D42A27DB-BD31-4B8C-83A1-F6EECF244321}">
-                <p14:modId xmlns:p14="http://schemas.microsoft.com/office/powerpoint/2010/main" val="2676717460"/>
+                <p14:modId xmlns:p14="http://schemas.microsoft.com/office/powerpoint/2010/main" val="3733128952"/>
               </p:ext>
             </p:extLst>
           </p:nvPr>
